--- a/HW1流程.pptx
+++ b/HW1流程.pptx
@@ -7,6 +7,10 @@
   <p:sldIdLst>
     <p:sldId id="256" r:id="rId2"/>
     <p:sldId id="261" r:id="rId3"/>
+    <p:sldId id="262" r:id="rId4"/>
+    <p:sldId id="263" r:id="rId5"/>
+    <p:sldId id="264" r:id="rId6"/>
+    <p:sldId id="265" r:id="rId7"/>
   </p:sldIdLst>
   <p:sldSz cx="12192000" cy="6858000"/>
   <p:notesSz cx="6858000" cy="9144000"/>
@@ -260,7 +264,7 @@
           <a:p>
             <a:fld id="{154E14F7-CFF6-4246-BC4F-CCC57D74E09F}" type="datetimeFigureOut">
               <a:rPr lang="zh-TW" altLang="en-US" smtClean="0"/>
-              <a:t>2024/10/24</a:t>
+              <a:t>2024/11/7</a:t>
             </a:fld>
             <a:endParaRPr lang="zh-TW" altLang="en-US"/>
           </a:p>
@@ -458,7 +462,7 @@
           <a:p>
             <a:fld id="{154E14F7-CFF6-4246-BC4F-CCC57D74E09F}" type="datetimeFigureOut">
               <a:rPr lang="zh-TW" altLang="en-US" smtClean="0"/>
-              <a:t>2024/10/24</a:t>
+              <a:t>2024/11/7</a:t>
             </a:fld>
             <a:endParaRPr lang="zh-TW" altLang="en-US"/>
           </a:p>
@@ -666,7 +670,7 @@
           <a:p>
             <a:fld id="{154E14F7-CFF6-4246-BC4F-CCC57D74E09F}" type="datetimeFigureOut">
               <a:rPr lang="zh-TW" altLang="en-US" smtClean="0"/>
-              <a:t>2024/10/24</a:t>
+              <a:t>2024/11/7</a:t>
             </a:fld>
             <a:endParaRPr lang="zh-TW" altLang="en-US"/>
           </a:p>
@@ -864,7 +868,7 @@
           <a:p>
             <a:fld id="{154E14F7-CFF6-4246-BC4F-CCC57D74E09F}" type="datetimeFigureOut">
               <a:rPr lang="zh-TW" altLang="en-US" smtClean="0"/>
-              <a:t>2024/10/24</a:t>
+              <a:t>2024/11/7</a:t>
             </a:fld>
             <a:endParaRPr lang="zh-TW" altLang="en-US"/>
           </a:p>
@@ -1139,7 +1143,7 @@
           <a:p>
             <a:fld id="{154E14F7-CFF6-4246-BC4F-CCC57D74E09F}" type="datetimeFigureOut">
               <a:rPr lang="zh-TW" altLang="en-US" smtClean="0"/>
-              <a:t>2024/10/24</a:t>
+              <a:t>2024/11/7</a:t>
             </a:fld>
             <a:endParaRPr lang="zh-TW" altLang="en-US"/>
           </a:p>
@@ -1404,7 +1408,7 @@
           <a:p>
             <a:fld id="{154E14F7-CFF6-4246-BC4F-CCC57D74E09F}" type="datetimeFigureOut">
               <a:rPr lang="zh-TW" altLang="en-US" smtClean="0"/>
-              <a:t>2024/10/24</a:t>
+              <a:t>2024/11/7</a:t>
             </a:fld>
             <a:endParaRPr lang="zh-TW" altLang="en-US"/>
           </a:p>
@@ -1816,7 +1820,7 @@
           <a:p>
             <a:fld id="{154E14F7-CFF6-4246-BC4F-CCC57D74E09F}" type="datetimeFigureOut">
               <a:rPr lang="zh-TW" altLang="en-US" smtClean="0"/>
-              <a:t>2024/10/24</a:t>
+              <a:t>2024/11/7</a:t>
             </a:fld>
             <a:endParaRPr lang="zh-TW" altLang="en-US"/>
           </a:p>
@@ -1957,7 +1961,7 @@
           <a:p>
             <a:fld id="{154E14F7-CFF6-4246-BC4F-CCC57D74E09F}" type="datetimeFigureOut">
               <a:rPr lang="zh-TW" altLang="en-US" smtClean="0"/>
-              <a:t>2024/10/24</a:t>
+              <a:t>2024/11/7</a:t>
             </a:fld>
             <a:endParaRPr lang="zh-TW" altLang="en-US"/>
           </a:p>
@@ -2070,7 +2074,7 @@
           <a:p>
             <a:fld id="{154E14F7-CFF6-4246-BC4F-CCC57D74E09F}" type="datetimeFigureOut">
               <a:rPr lang="zh-TW" altLang="en-US" smtClean="0"/>
-              <a:t>2024/10/24</a:t>
+              <a:t>2024/11/7</a:t>
             </a:fld>
             <a:endParaRPr lang="zh-TW" altLang="en-US"/>
           </a:p>
@@ -2381,7 +2385,7 @@
           <a:p>
             <a:fld id="{154E14F7-CFF6-4246-BC4F-CCC57D74E09F}" type="datetimeFigureOut">
               <a:rPr lang="zh-TW" altLang="en-US" smtClean="0"/>
-              <a:t>2024/10/24</a:t>
+              <a:t>2024/11/7</a:t>
             </a:fld>
             <a:endParaRPr lang="zh-TW" altLang="en-US"/>
           </a:p>
@@ -2669,7 +2673,7 @@
           <a:p>
             <a:fld id="{154E14F7-CFF6-4246-BC4F-CCC57D74E09F}" type="datetimeFigureOut">
               <a:rPr lang="zh-TW" altLang="en-US" smtClean="0"/>
-              <a:t>2024/10/24</a:t>
+              <a:t>2024/11/7</a:t>
             </a:fld>
             <a:endParaRPr lang="zh-TW" altLang="en-US"/>
           </a:p>
@@ -2910,7 +2914,7 @@
           <a:p>
             <a:fld id="{154E14F7-CFF6-4246-BC4F-CCC57D74E09F}" type="datetimeFigureOut">
               <a:rPr lang="zh-TW" altLang="en-US" smtClean="0"/>
-              <a:t>2024/10/24</a:t>
+              <a:t>2024/11/7</a:t>
             </a:fld>
             <a:endParaRPr lang="zh-TW" altLang="en-US"/>
           </a:p>
@@ -3991,7 +3995,7 @@
             <a:pPr algn="ctr"/>
             <a:r>
               <a:rPr lang="zh-TW" altLang="en-US" dirty="0"/>
-              <a:t>參數設定</a:t>
+              <a:t>區域分割</a:t>
             </a:r>
           </a:p>
         </p:txBody>
@@ -4010,8 +4014,8 @@
         </p:nvSpPr>
         <p:spPr>
           <a:xfrm>
-            <a:off x="5702710" y="3202860"/>
-            <a:ext cx="1160204" cy="635403"/>
+            <a:off x="5702709" y="3202860"/>
+            <a:ext cx="1258527" cy="635403"/>
           </a:xfrm>
           <a:prstGeom prst="flowChartProcess">
             <a:avLst/>
@@ -4037,20 +4041,12 @@
           <a:p>
             <a:pPr algn="ctr"/>
             <a:r>
-              <a:rPr lang="zh-TW" altLang="en-US" dirty="0"/>
-              <a:t>生成</a:t>
-            </a:r>
-            <a:endParaRPr lang="en-US" altLang="zh-TW" dirty="0"/>
-          </a:p>
-          <a:p>
-            <a:pPr algn="ctr"/>
-            <a:r>
               <a:rPr lang="en-US" altLang="zh-TW" dirty="0"/>
               <a:t>LBP</a:t>
             </a:r>
             <a:r>
               <a:rPr lang="zh-TW" altLang="en-US" dirty="0"/>
-              <a:t>遮罩</a:t>
+              <a:t>二值化處理</a:t>
             </a:r>
           </a:p>
         </p:txBody>
@@ -4072,8 +4068,8 @@
         </p:nvCxnSpPr>
         <p:spPr>
           <a:xfrm>
-            <a:off x="6282812" y="1968301"/>
-            <a:ext cx="0" cy="1234559"/>
+            <a:off x="6331973" y="1976286"/>
+            <a:ext cx="0" cy="1226574"/>
           </a:xfrm>
           <a:prstGeom prst="straightConnector1">
             <a:avLst/>
@@ -4139,23 +4135,11 @@
             <a:pPr algn="ctr"/>
             <a:r>
               <a:rPr lang="zh-TW" altLang="en-US" dirty="0"/>
-              <a:t>搜尋馬路</a:t>
-            </a:r>
-            <a:endParaRPr lang="en-US" altLang="zh-TW" dirty="0"/>
-          </a:p>
-          <a:p>
-            <a:pPr algn="ctr"/>
+              <a:t>執行</a:t>
+            </a:r>
             <a:r>
               <a:rPr lang="en-US" altLang="zh-TW" dirty="0"/>
-              <a:t>(</a:t>
-            </a:r>
-            <a:r>
-              <a:rPr lang="zh-TW" altLang="en-US" dirty="0"/>
-              <a:t>中心點開始</a:t>
-            </a:r>
-            <a:r>
-              <a:rPr lang="en-US" altLang="zh-TW" dirty="0"/>
-              <a:t>)</a:t>
+              <a:t>BFS</a:t>
             </a:r>
             <a:endParaRPr lang="zh-TW" altLang="en-US" dirty="0"/>
           </a:p>
@@ -4215,7 +4199,6 @@
           <p:cNvCxnSpPr>
             <a:cxnSpLocks/>
             <a:stCxn id="68" idx="2"/>
-            <a:endCxn id="73" idx="0"/>
           </p:cNvCxnSpPr>
           <p:nvPr/>
         </p:nvCxnSpPr>
@@ -4248,10 +4231,10 @@
       </p:cxnSp>
       <p:sp>
         <p:nvSpPr>
-          <p:cNvPr id="73" name="流程圖: 程序 72">
-            <a:extLst>
-              <a:ext uri="{FF2B5EF4-FFF2-40B4-BE49-F238E27FC236}">
-                <a16:creationId xmlns:a16="http://schemas.microsoft.com/office/drawing/2014/main" id="{30E63CB2-BFEC-6E6E-CBAD-7C5D5C60FF70}"/>
+          <p:cNvPr id="83" name="流程圖: 程序 82">
+            <a:extLst>
+              <a:ext uri="{FF2B5EF4-FFF2-40B4-BE49-F238E27FC236}">
+                <a16:creationId xmlns:a16="http://schemas.microsoft.com/office/drawing/2014/main" id="{06B0ECDE-456A-7601-7EA2-A36C33E6ED5E}"/>
               </a:ext>
             </a:extLst>
           </p:cNvPr>
@@ -4260,97 +4243,7 @@
         </p:nvSpPr>
         <p:spPr>
           <a:xfrm>
-            <a:off x="7772399" y="4305909"/>
-            <a:ext cx="806244" cy="635399"/>
-          </a:xfrm>
-          <a:prstGeom prst="flowChartProcess">
-            <a:avLst/>
-          </a:prstGeom>
-        </p:spPr>
-        <p:style>
-          <a:lnRef idx="2">
-            <a:schemeClr val="accent1"/>
-          </a:lnRef>
-          <a:fillRef idx="1">
-            <a:schemeClr val="lt1"/>
-          </a:fillRef>
-          <a:effectRef idx="0">
-            <a:schemeClr val="accent1"/>
-          </a:effectRef>
-          <a:fontRef idx="minor">
-            <a:schemeClr val="dk1"/>
-          </a:fontRef>
-        </p:style>
-        <p:txBody>
-          <a:bodyPr rtlCol="0" anchor="ctr"/>
-          <a:lstStyle/>
-          <a:p>
-            <a:pPr algn="ctr"/>
-            <a:r>
-              <a:rPr lang="zh-TW" altLang="en-US" dirty="0"/>
-              <a:t>標記馬路</a:t>
-            </a:r>
-          </a:p>
-        </p:txBody>
-      </p:sp>
-      <p:cxnSp>
-        <p:nvCxnSpPr>
-          <p:cNvPr id="80" name="直線單箭頭接點 79">
-            <a:extLst>
-              <a:ext uri="{FF2B5EF4-FFF2-40B4-BE49-F238E27FC236}">
-                <a16:creationId xmlns:a16="http://schemas.microsoft.com/office/drawing/2014/main" id="{0BF68195-E53D-28D5-410C-2BF59688C2BB}"/>
-              </a:ext>
-            </a:extLst>
-          </p:cNvPr>
-          <p:cNvCxnSpPr>
-            <a:cxnSpLocks/>
-            <a:stCxn id="73" idx="2"/>
-            <a:endCxn id="83" idx="0"/>
-          </p:cNvCxnSpPr>
-          <p:nvPr/>
-        </p:nvCxnSpPr>
-        <p:spPr>
-          <a:xfrm>
-            <a:off x="8175521" y="4941308"/>
-            <a:ext cx="0" cy="635399"/>
-          </a:xfrm>
-          <a:prstGeom prst="straightConnector1">
-            <a:avLst/>
-          </a:prstGeom>
-          <a:ln>
-            <a:tailEnd type="triangle"/>
-          </a:ln>
-        </p:spPr>
-        <p:style>
-          <a:lnRef idx="2">
-            <a:schemeClr val="accent1"/>
-          </a:lnRef>
-          <a:fillRef idx="0">
-            <a:schemeClr val="accent1"/>
-          </a:fillRef>
-          <a:effectRef idx="1">
-            <a:schemeClr val="accent1"/>
-          </a:effectRef>
-          <a:fontRef idx="minor">
-            <a:schemeClr val="tx1"/>
-          </a:fontRef>
-        </p:style>
-      </p:cxnSp>
-      <p:sp>
-        <p:nvSpPr>
-          <p:cNvPr id="83" name="流程圖: 程序 82">
-            <a:extLst>
-              <a:ext uri="{FF2B5EF4-FFF2-40B4-BE49-F238E27FC236}">
-                <a16:creationId xmlns:a16="http://schemas.microsoft.com/office/drawing/2014/main" id="{06B0ECDE-456A-7601-7EA2-A36C33E6ED5E}"/>
-              </a:ext>
-            </a:extLst>
-          </p:cNvPr>
-          <p:cNvSpPr/>
-          <p:nvPr/>
-        </p:nvSpPr>
-        <p:spPr>
-          <a:xfrm>
-            <a:off x="7735527" y="5576707"/>
+            <a:off x="7735527" y="4305909"/>
             <a:ext cx="879988" cy="635399"/>
           </a:xfrm>
           <a:prstGeom prst="flowChartProcess">
@@ -4434,10 +4327,10 @@
       </p:cxnSp>
       <p:sp>
         <p:nvSpPr>
-          <p:cNvPr id="93" name="流程圖: 程序 92">
-            <a:extLst>
-              <a:ext uri="{FF2B5EF4-FFF2-40B4-BE49-F238E27FC236}">
-                <a16:creationId xmlns:a16="http://schemas.microsoft.com/office/drawing/2014/main" id="{58AA582D-0EB4-8290-108D-F42028A123F8}"/>
+          <p:cNvPr id="96" name="流程圖: 程序 95">
+            <a:extLst>
+              <a:ext uri="{FF2B5EF4-FFF2-40B4-BE49-F238E27FC236}">
+                <a16:creationId xmlns:a16="http://schemas.microsoft.com/office/drawing/2014/main" id="{248DB746-3381-9A17-E803-F125CAF00D28}"/>
               </a:ext>
             </a:extLst>
           </p:cNvPr>
@@ -4446,8 +4339,8 @@
         </p:nvSpPr>
         <p:spPr>
           <a:xfrm>
-            <a:off x="9507792" y="3228667"/>
-            <a:ext cx="1160204" cy="635403"/>
+            <a:off x="9699524" y="3228671"/>
+            <a:ext cx="806244" cy="635399"/>
           </a:xfrm>
           <a:prstGeom prst="flowChartProcess">
             <a:avLst/>
@@ -4474,31 +4367,31 @@
             <a:pPr algn="ctr"/>
             <a:r>
               <a:rPr lang="zh-TW" altLang="en-US" dirty="0"/>
-              <a:t>合併圖像</a:t>
+              <a:t>顯示結果</a:t>
             </a:r>
           </a:p>
         </p:txBody>
       </p:sp>
       <p:cxnSp>
         <p:nvCxnSpPr>
-          <p:cNvPr id="94" name="直線單箭頭接點 93">
-            <a:extLst>
-              <a:ext uri="{FF2B5EF4-FFF2-40B4-BE49-F238E27FC236}">
-                <a16:creationId xmlns:a16="http://schemas.microsoft.com/office/drawing/2014/main" id="{BD500B71-A285-0581-2A28-2A833D591502}"/>
+          <p:cNvPr id="26" name="直線單箭頭接點 25">
+            <a:extLst>
+              <a:ext uri="{FF2B5EF4-FFF2-40B4-BE49-F238E27FC236}">
+                <a16:creationId xmlns:a16="http://schemas.microsoft.com/office/drawing/2014/main" id="{60AC1917-5652-4063-B53F-2E10A6A1C47B}"/>
               </a:ext>
             </a:extLst>
           </p:cNvPr>
           <p:cNvCxnSpPr>
             <a:cxnSpLocks/>
-            <a:stCxn id="93" idx="2"/>
-            <a:endCxn id="96" idx="0"/>
+            <a:stCxn id="53" idx="2"/>
+            <a:endCxn id="30" idx="0"/>
           </p:cNvCxnSpPr>
           <p:nvPr/>
         </p:nvCxnSpPr>
         <p:spPr>
           <a:xfrm>
-            <a:off x="10087894" y="3864070"/>
-            <a:ext cx="0" cy="441839"/>
+            <a:off x="835741" y="4941308"/>
+            <a:ext cx="3200" cy="562847"/>
           </a:xfrm>
           <a:prstGeom prst="straightConnector1">
             <a:avLst/>
@@ -4524,10 +4417,10 @@
       </p:cxnSp>
       <p:sp>
         <p:nvSpPr>
-          <p:cNvPr id="96" name="流程圖: 程序 95">
-            <a:extLst>
-              <a:ext uri="{FF2B5EF4-FFF2-40B4-BE49-F238E27FC236}">
-                <a16:creationId xmlns:a16="http://schemas.microsoft.com/office/drawing/2014/main" id="{248DB746-3381-9A17-E803-F125CAF00D28}"/>
+          <p:cNvPr id="30" name="流程圖: 程序 29">
+            <a:extLst>
+              <a:ext uri="{FF2B5EF4-FFF2-40B4-BE49-F238E27FC236}">
+                <a16:creationId xmlns:a16="http://schemas.microsoft.com/office/drawing/2014/main" id="{1432D8AB-069E-4519-A914-2C996A0EABC0}"/>
               </a:ext>
             </a:extLst>
           </p:cNvPr>
@@ -4536,8 +4429,8 @@
         </p:nvSpPr>
         <p:spPr>
           <a:xfrm>
-            <a:off x="9684772" y="4305909"/>
-            <a:ext cx="806244" cy="635399"/>
+            <a:off x="292967" y="5504155"/>
+            <a:ext cx="1091947" cy="635399"/>
           </a:xfrm>
           <a:prstGeom prst="flowChartProcess">
             <a:avLst/>
@@ -4564,15 +4457,2273 @@
             <a:pPr algn="ctr"/>
             <a:r>
               <a:rPr lang="zh-TW" altLang="en-US" dirty="0"/>
-              <a:t>顯示結果</a:t>
-            </a:r>
-          </a:p>
-        </p:txBody>
-      </p:sp>
+              <a:t>設定</a:t>
+            </a:r>
+            <a:r>
+              <a:rPr lang="en-US" altLang="zh-TW" dirty="0"/>
+              <a:t>HSV</a:t>
+            </a:r>
+            <a:r>
+              <a:rPr lang="zh-TW" altLang="en-US" dirty="0"/>
+              <a:t>範圍</a:t>
+            </a:r>
+          </a:p>
+        </p:txBody>
+      </p:sp>
+      <p:sp>
+        <p:nvSpPr>
+          <p:cNvPr id="38" name="流程圖: 程序 37">
+            <a:extLst>
+              <a:ext uri="{FF2B5EF4-FFF2-40B4-BE49-F238E27FC236}">
+                <a16:creationId xmlns:a16="http://schemas.microsoft.com/office/drawing/2014/main" id="{2EAF6F15-3AFD-4A60-B6B1-EB57EBF0C083}"/>
+              </a:ext>
+            </a:extLst>
+          </p:cNvPr>
+          <p:cNvSpPr/>
+          <p:nvPr/>
+        </p:nvSpPr>
+        <p:spPr>
+          <a:xfrm>
+            <a:off x="5712542" y="4305909"/>
+            <a:ext cx="1258527" cy="635403"/>
+          </a:xfrm>
+          <a:prstGeom prst="flowChartProcess">
+            <a:avLst/>
+          </a:prstGeom>
+        </p:spPr>
+        <p:style>
+          <a:lnRef idx="2">
+            <a:schemeClr val="accent1"/>
+          </a:lnRef>
+          <a:fillRef idx="1">
+            <a:schemeClr val="lt1"/>
+          </a:fillRef>
+          <a:effectRef idx="0">
+            <a:schemeClr val="accent1"/>
+          </a:effectRef>
+          <a:fontRef idx="minor">
+            <a:schemeClr val="dk1"/>
+          </a:fontRef>
+        </p:style>
+        <p:txBody>
+          <a:bodyPr rtlCol="0" anchor="ctr"/>
+          <a:lstStyle/>
+          <a:p>
+            <a:pPr algn="ctr"/>
+            <a:r>
+              <a:rPr lang="zh-TW" altLang="en-US" dirty="0"/>
+              <a:t>初始化</a:t>
+            </a:r>
+            <a:endParaRPr lang="en-US" altLang="zh-TW" dirty="0"/>
+          </a:p>
+          <a:p>
+            <a:pPr algn="ctr"/>
+            <a:r>
+              <a:rPr lang="zh-TW" altLang="en-US" dirty="0"/>
+              <a:t>訪問記錄</a:t>
+            </a:r>
+          </a:p>
+        </p:txBody>
+      </p:sp>
+      <p:cxnSp>
+        <p:nvCxnSpPr>
+          <p:cNvPr id="40" name="直線單箭頭接點 39">
+            <a:extLst>
+              <a:ext uri="{FF2B5EF4-FFF2-40B4-BE49-F238E27FC236}">
+                <a16:creationId xmlns:a16="http://schemas.microsoft.com/office/drawing/2014/main" id="{296FD740-60A7-4BEC-BA62-55CC98C9B45B}"/>
+              </a:ext>
+            </a:extLst>
+          </p:cNvPr>
+          <p:cNvCxnSpPr>
+            <a:cxnSpLocks/>
+            <a:stCxn id="65" idx="2"/>
+            <a:endCxn id="38" idx="0"/>
+          </p:cNvCxnSpPr>
+          <p:nvPr/>
+        </p:nvCxnSpPr>
+        <p:spPr>
+          <a:xfrm>
+            <a:off x="6331973" y="3838263"/>
+            <a:ext cx="9833" cy="467646"/>
+          </a:xfrm>
+          <a:prstGeom prst="straightConnector1">
+            <a:avLst/>
+          </a:prstGeom>
+          <a:ln>
+            <a:tailEnd type="triangle"/>
+          </a:ln>
+        </p:spPr>
+        <p:style>
+          <a:lnRef idx="2">
+            <a:schemeClr val="accent1"/>
+          </a:lnRef>
+          <a:fillRef idx="0">
+            <a:schemeClr val="accent1"/>
+          </a:fillRef>
+          <a:effectRef idx="1">
+            <a:schemeClr val="accent1"/>
+          </a:effectRef>
+          <a:fontRef idx="minor">
+            <a:schemeClr val="tx1"/>
+          </a:fontRef>
+        </p:style>
+      </p:cxnSp>
     </p:spTree>
     <p:extLst>
       <p:ext uri="{BB962C8B-B14F-4D97-AF65-F5344CB8AC3E}">
         <p14:creationId xmlns:p14="http://schemas.microsoft.com/office/powerpoint/2010/main" val="2758979740"/>
+      </p:ext>
+    </p:extLst>
+  </p:cSld>
+  <p:clrMapOvr>
+    <a:masterClrMapping/>
+  </p:clrMapOvr>
+</p:sld>
+</file>
+
+<file path=ppt/slides/slide3.xml><?xml version="1.0" encoding="utf-8"?>
+<p:sld xmlns:a="http://schemas.openxmlformats.org/drawingml/2006/main" xmlns:r="http://schemas.openxmlformats.org/officeDocument/2006/relationships" xmlns:p="http://schemas.openxmlformats.org/presentationml/2006/main">
+  <p:cSld>
+    <p:spTree>
+      <p:nvGrpSpPr>
+        <p:cNvPr id="1" name=""/>
+        <p:cNvGrpSpPr/>
+        <p:nvPr/>
+      </p:nvGrpSpPr>
+      <p:grpSpPr>
+        <a:xfrm>
+          <a:off x="0" y="0"/>
+          <a:ext cx="0" cy="0"/>
+          <a:chOff x="0" y="0"/>
+          <a:chExt cx="0" cy="0"/>
+        </a:xfrm>
+      </p:grpSpPr>
+      <p:sp>
+        <p:nvSpPr>
+          <p:cNvPr id="2" name="標題 1">
+            <a:extLst>
+              <a:ext uri="{FF2B5EF4-FFF2-40B4-BE49-F238E27FC236}">
+                <a16:creationId xmlns:a16="http://schemas.microsoft.com/office/drawing/2014/main" id="{EA91C35A-22EE-4552-8CFF-2BC1174387B6}"/>
+              </a:ext>
+            </a:extLst>
+          </p:cNvPr>
+          <p:cNvSpPr>
+            <a:spLocks noGrp="1"/>
+          </p:cNvSpPr>
+          <p:nvPr>
+            <p:ph type="title"/>
+          </p:nvPr>
+        </p:nvSpPr>
+        <p:spPr>
+          <a:xfrm>
+            <a:off x="0" y="239697"/>
+            <a:ext cx="10515600" cy="441341"/>
+          </a:xfrm>
+        </p:spPr>
+        <p:txBody>
+          <a:bodyPr>
+            <a:normAutofit/>
+          </a:bodyPr>
+          <a:lstStyle/>
+          <a:p>
+            <a:r>
+              <a:rPr lang="en-US" altLang="zh-TW" sz="1800" dirty="0"/>
+              <a:t>11/07</a:t>
+            </a:r>
+            <a:endParaRPr lang="zh-TW" altLang="en-US" sz="1800" dirty="0"/>
+          </a:p>
+        </p:txBody>
+      </p:sp>
+      <p:graphicFrame>
+        <p:nvGraphicFramePr>
+          <p:cNvPr id="5" name="表格 4">
+            <a:extLst>
+              <a:ext uri="{FF2B5EF4-FFF2-40B4-BE49-F238E27FC236}">
+                <a16:creationId xmlns:a16="http://schemas.microsoft.com/office/drawing/2014/main" id="{B2740315-4E18-4AA8-BBFB-8E94B62CB724}"/>
+              </a:ext>
+            </a:extLst>
+          </p:cNvPr>
+          <p:cNvGraphicFramePr>
+            <a:graphicFrameLocks noGrp="1"/>
+          </p:cNvGraphicFramePr>
+          <p:nvPr>
+            <p:extLst>
+              <p:ext uri="{D42A27DB-BD31-4B8C-83A1-F6EECF244321}">
+                <p14:modId xmlns:p14="http://schemas.microsoft.com/office/powerpoint/2010/main" val="3409630858"/>
+              </p:ext>
+            </p:extLst>
+          </p:nvPr>
+        </p:nvGraphicFramePr>
+        <p:xfrm>
+          <a:off x="2176379" y="1225342"/>
+          <a:ext cx="8128000" cy="1163804"/>
+        </p:xfrm>
+        <a:graphic>
+          <a:graphicData uri="http://schemas.openxmlformats.org/drawingml/2006/table">
+            <a:tbl>
+              <a:tblPr firstRow="1" bandRow="1">
+                <a:tableStyleId>{BC89EF96-8CEA-46FF-86C4-4CE0E7609802}</a:tableStyleId>
+              </a:tblPr>
+              <a:tblGrid>
+                <a:gridCol w="1080168">
+                  <a:extLst>
+                    <a:ext uri="{9D8B030D-6E8A-4147-A177-3AD203B41FA5}">
+                      <a16:colId xmlns:a16="http://schemas.microsoft.com/office/drawing/2014/main" val="36497964"/>
+                    </a:ext>
+                  </a:extLst>
+                </a:gridCol>
+                <a:gridCol w="7047832">
+                  <a:extLst>
+                    <a:ext uri="{9D8B030D-6E8A-4147-A177-3AD203B41FA5}">
+                      <a16:colId xmlns:a16="http://schemas.microsoft.com/office/drawing/2014/main" val="2024475099"/>
+                    </a:ext>
+                  </a:extLst>
+                </a:gridCol>
+              </a:tblGrid>
+              <a:tr h="370840">
+                <a:tc>
+                  <a:txBody>
+                    <a:bodyPr/>
+                    <a:lstStyle/>
+                    <a:p>
+                      <a:r>
+                        <a:rPr lang="zh-TW" altLang="en-US" dirty="0"/>
+                        <a:t>輸入</a:t>
+                      </a:r>
+                    </a:p>
+                  </a:txBody>
+                  <a:tcPr/>
+                </a:tc>
+                <a:tc>
+                  <a:txBody>
+                    <a:bodyPr/>
+                    <a:lstStyle/>
+                    <a:p>
+                      <a:r>
+                        <a:rPr lang="en-US" altLang="zh-TW" dirty="0"/>
+                        <a:t>image</a:t>
+                      </a:r>
+                      <a:endParaRPr lang="zh-TW" altLang="en-US" dirty="0"/>
+                    </a:p>
+                  </a:txBody>
+                  <a:tcPr/>
+                </a:tc>
+                <a:extLst>
+                  <a:ext uri="{0D108BD9-81ED-4DB2-BD59-A6C34878D82A}">
+                    <a16:rowId xmlns:a16="http://schemas.microsoft.com/office/drawing/2014/main" val="1202189038"/>
+                  </a:ext>
+                </a:extLst>
+              </a:tr>
+              <a:tr h="370840">
+                <a:tc>
+                  <a:txBody>
+                    <a:bodyPr/>
+                    <a:lstStyle/>
+                    <a:p>
+                      <a:r>
+                        <a:rPr lang="zh-TW" altLang="en-US" dirty="0"/>
+                        <a:t>輸出</a:t>
+                      </a:r>
+                      <a:endParaRPr lang="en-US" altLang="zh-TW" dirty="0"/>
+                    </a:p>
+                  </a:txBody>
+                  <a:tcPr/>
+                </a:tc>
+                <a:tc>
+                  <a:txBody>
+                    <a:bodyPr/>
+                    <a:lstStyle/>
+                    <a:p>
+                      <a:r>
+                        <a:rPr lang="en-US" altLang="zh-TW" dirty="0" err="1"/>
+                        <a:t>gray_image</a:t>
+                      </a:r>
+                      <a:r>
+                        <a:rPr lang="zh-TW" altLang="en-US" dirty="0"/>
+                        <a:t>、</a:t>
+                      </a:r>
+                      <a:r>
+                        <a:rPr lang="en-US" altLang="zh-TW" dirty="0" err="1"/>
+                        <a:t>hsv_image</a:t>
+                      </a:r>
+                      <a:endParaRPr lang="zh-TW" altLang="en-US" dirty="0"/>
+                    </a:p>
+                  </a:txBody>
+                  <a:tcPr/>
+                </a:tc>
+                <a:extLst>
+                  <a:ext uri="{0D108BD9-81ED-4DB2-BD59-A6C34878D82A}">
+                    <a16:rowId xmlns:a16="http://schemas.microsoft.com/office/drawing/2014/main" val="2530239967"/>
+                  </a:ext>
+                </a:extLst>
+              </a:tr>
+              <a:tr h="422124">
+                <a:tc>
+                  <a:txBody>
+                    <a:bodyPr/>
+                    <a:lstStyle/>
+                    <a:p>
+                      <a:r>
+                        <a:rPr lang="zh-TW" altLang="en-US" dirty="0"/>
+                        <a:t>方法</a:t>
+                      </a:r>
+                    </a:p>
+                  </a:txBody>
+                  <a:tcPr/>
+                </a:tc>
+                <a:tc>
+                  <a:txBody>
+                    <a:bodyPr/>
+                    <a:lstStyle/>
+                    <a:p>
+                      <a:r>
+                        <a:rPr lang="en-US" altLang="zh-TW" dirty="0"/>
+                        <a:t>cv2.COLOR_BGR2GRAY</a:t>
+                      </a:r>
+                      <a:r>
+                        <a:rPr lang="zh-TW" altLang="en-US" dirty="0"/>
+                        <a:t>、</a:t>
+                      </a:r>
+                      <a:r>
+                        <a:rPr lang="en-US" altLang="zh-TW" dirty="0"/>
+                        <a:t>cv2.COLOR_BGR2HSV</a:t>
+                      </a:r>
+                      <a:endParaRPr lang="zh-TW" altLang="en-US" dirty="0"/>
+                    </a:p>
+                  </a:txBody>
+                  <a:tcPr/>
+                </a:tc>
+                <a:extLst>
+                  <a:ext uri="{0D108BD9-81ED-4DB2-BD59-A6C34878D82A}">
+                    <a16:rowId xmlns:a16="http://schemas.microsoft.com/office/drawing/2014/main" val="1450406126"/>
+                  </a:ext>
+                </a:extLst>
+              </a:tr>
+            </a:tbl>
+          </a:graphicData>
+        </a:graphic>
+      </p:graphicFrame>
+      <p:graphicFrame>
+        <p:nvGraphicFramePr>
+          <p:cNvPr id="6" name="表格 5">
+            <a:extLst>
+              <a:ext uri="{FF2B5EF4-FFF2-40B4-BE49-F238E27FC236}">
+                <a16:creationId xmlns:a16="http://schemas.microsoft.com/office/drawing/2014/main" id="{5621787E-8DF7-4D3B-A726-D7675C1BC770}"/>
+              </a:ext>
+            </a:extLst>
+          </p:cNvPr>
+          <p:cNvGraphicFramePr>
+            <a:graphicFrameLocks noGrp="1"/>
+          </p:cNvGraphicFramePr>
+          <p:nvPr>
+            <p:extLst>
+              <p:ext uri="{D42A27DB-BD31-4B8C-83A1-F6EECF244321}">
+                <p14:modId xmlns:p14="http://schemas.microsoft.com/office/powerpoint/2010/main" val="594640918"/>
+              </p:ext>
+            </p:extLst>
+          </p:nvPr>
+        </p:nvGraphicFramePr>
+        <p:xfrm>
+          <a:off x="2176379" y="2983080"/>
+          <a:ext cx="8128000" cy="1163804"/>
+        </p:xfrm>
+        <a:graphic>
+          <a:graphicData uri="http://schemas.openxmlformats.org/drawingml/2006/table">
+            <a:tbl>
+              <a:tblPr firstRow="1" bandRow="1">
+                <a:tableStyleId>{BC89EF96-8CEA-46FF-86C4-4CE0E7609802}</a:tableStyleId>
+              </a:tblPr>
+              <a:tblGrid>
+                <a:gridCol w="1080168">
+                  <a:extLst>
+                    <a:ext uri="{9D8B030D-6E8A-4147-A177-3AD203B41FA5}">
+                      <a16:colId xmlns:a16="http://schemas.microsoft.com/office/drawing/2014/main" val="36497964"/>
+                    </a:ext>
+                  </a:extLst>
+                </a:gridCol>
+                <a:gridCol w="7047832">
+                  <a:extLst>
+                    <a:ext uri="{9D8B030D-6E8A-4147-A177-3AD203B41FA5}">
+                      <a16:colId xmlns:a16="http://schemas.microsoft.com/office/drawing/2014/main" val="2024475099"/>
+                    </a:ext>
+                  </a:extLst>
+                </a:gridCol>
+              </a:tblGrid>
+              <a:tr h="370840">
+                <a:tc>
+                  <a:txBody>
+                    <a:bodyPr/>
+                    <a:lstStyle/>
+                    <a:p>
+                      <a:r>
+                        <a:rPr lang="zh-TW" altLang="en-US" dirty="0"/>
+                        <a:t>輸入</a:t>
+                      </a:r>
+                    </a:p>
+                  </a:txBody>
+                  <a:tcPr/>
+                </a:tc>
+                <a:tc>
+                  <a:txBody>
+                    <a:bodyPr/>
+                    <a:lstStyle/>
+                    <a:p>
+                      <a:r>
+                        <a:rPr lang="en-US" altLang="zh-TW" dirty="0" err="1"/>
+                        <a:t>hsv_image</a:t>
+                      </a:r>
+                      <a:r>
+                        <a:rPr lang="zh-TW" altLang="en-US" dirty="0"/>
+                        <a:t>、</a:t>
+                      </a:r>
+                      <a:r>
+                        <a:rPr lang="en-US" altLang="zh-TW" dirty="0" err="1"/>
+                        <a:t>lower_gray</a:t>
+                      </a:r>
+                      <a:r>
+                        <a:rPr lang="zh-TW" altLang="en-US" dirty="0"/>
+                        <a:t>、</a:t>
+                      </a:r>
+                      <a:r>
+                        <a:rPr lang="en-US" altLang="zh-TW" dirty="0" err="1"/>
+                        <a:t>upper_gray</a:t>
+                      </a:r>
+                      <a:endParaRPr lang="zh-TW" altLang="en-US" dirty="0"/>
+                    </a:p>
+                  </a:txBody>
+                  <a:tcPr/>
+                </a:tc>
+                <a:extLst>
+                  <a:ext uri="{0D108BD9-81ED-4DB2-BD59-A6C34878D82A}">
+                    <a16:rowId xmlns:a16="http://schemas.microsoft.com/office/drawing/2014/main" val="1202189038"/>
+                  </a:ext>
+                </a:extLst>
+              </a:tr>
+              <a:tr h="370840">
+                <a:tc>
+                  <a:txBody>
+                    <a:bodyPr/>
+                    <a:lstStyle/>
+                    <a:p>
+                      <a:r>
+                        <a:rPr lang="zh-TW" altLang="en-US" dirty="0"/>
+                        <a:t>輸出</a:t>
+                      </a:r>
+                      <a:endParaRPr lang="en-US" altLang="zh-TW" dirty="0"/>
+                    </a:p>
+                  </a:txBody>
+                  <a:tcPr/>
+                </a:tc>
+                <a:tc>
+                  <a:txBody>
+                    <a:bodyPr/>
+                    <a:lstStyle/>
+                    <a:p>
+                      <a:r>
+                        <a:rPr lang="en-US" altLang="zh-TW" dirty="0" err="1"/>
+                        <a:t>road_mask</a:t>
+                      </a:r>
+                      <a:endParaRPr lang="zh-TW" altLang="en-US" dirty="0"/>
+                    </a:p>
+                  </a:txBody>
+                  <a:tcPr/>
+                </a:tc>
+                <a:extLst>
+                  <a:ext uri="{0D108BD9-81ED-4DB2-BD59-A6C34878D82A}">
+                    <a16:rowId xmlns:a16="http://schemas.microsoft.com/office/drawing/2014/main" val="2530239967"/>
+                  </a:ext>
+                </a:extLst>
+              </a:tr>
+              <a:tr h="422124">
+                <a:tc>
+                  <a:txBody>
+                    <a:bodyPr/>
+                    <a:lstStyle/>
+                    <a:p>
+                      <a:r>
+                        <a:rPr lang="zh-TW" altLang="en-US" dirty="0"/>
+                        <a:t>方法</a:t>
+                      </a:r>
+                    </a:p>
+                  </a:txBody>
+                  <a:tcPr/>
+                </a:tc>
+                <a:tc>
+                  <a:txBody>
+                    <a:bodyPr/>
+                    <a:lstStyle/>
+                    <a:p>
+                      <a:r>
+                        <a:rPr lang="en-US" altLang="zh-TW" dirty="0"/>
+                        <a:t>cv2.inRange</a:t>
+                      </a:r>
+                      <a:endParaRPr lang="zh-TW" altLang="en-US" dirty="0"/>
+                    </a:p>
+                  </a:txBody>
+                  <a:tcPr/>
+                </a:tc>
+                <a:extLst>
+                  <a:ext uri="{0D108BD9-81ED-4DB2-BD59-A6C34878D82A}">
+                    <a16:rowId xmlns:a16="http://schemas.microsoft.com/office/drawing/2014/main" val="1450406126"/>
+                  </a:ext>
+                </a:extLst>
+              </a:tr>
+            </a:tbl>
+          </a:graphicData>
+        </a:graphic>
+      </p:graphicFrame>
+      <p:sp>
+        <p:nvSpPr>
+          <p:cNvPr id="7" name="文字方塊 6">
+            <a:extLst>
+              <a:ext uri="{FF2B5EF4-FFF2-40B4-BE49-F238E27FC236}">
+                <a16:creationId xmlns:a16="http://schemas.microsoft.com/office/drawing/2014/main" id="{5E77BA56-4CC5-4963-A8B2-6902038AF815}"/>
+              </a:ext>
+            </a:extLst>
+          </p:cNvPr>
+          <p:cNvSpPr txBox="1"/>
+          <p:nvPr/>
+        </p:nvSpPr>
+        <p:spPr>
+          <a:xfrm>
+            <a:off x="1090863" y="106424"/>
+            <a:ext cx="1171074" cy="707886"/>
+          </a:xfrm>
+          <a:prstGeom prst="rect">
+            <a:avLst/>
+          </a:prstGeom>
+          <a:noFill/>
+        </p:spPr>
+        <p:txBody>
+          <a:bodyPr wrap="square" rtlCol="0">
+            <a:spAutoFit/>
+          </a:bodyPr>
+          <a:lstStyle/>
+          <a:p>
+            <a:r>
+              <a:rPr lang="en-US" altLang="zh-TW" sz="4000" b="1" dirty="0"/>
+              <a:t>API</a:t>
+            </a:r>
+            <a:endParaRPr lang="zh-TW" altLang="en-US" sz="4000" b="1" dirty="0"/>
+          </a:p>
+        </p:txBody>
+      </p:sp>
+      <p:graphicFrame>
+        <p:nvGraphicFramePr>
+          <p:cNvPr id="8" name="表格 7">
+            <a:extLst>
+              <a:ext uri="{FF2B5EF4-FFF2-40B4-BE49-F238E27FC236}">
+                <a16:creationId xmlns:a16="http://schemas.microsoft.com/office/drawing/2014/main" id="{815FC02B-9223-4D30-A12A-5945A6C8C788}"/>
+              </a:ext>
+            </a:extLst>
+          </p:cNvPr>
+          <p:cNvGraphicFramePr>
+            <a:graphicFrameLocks noGrp="1"/>
+          </p:cNvGraphicFramePr>
+          <p:nvPr>
+            <p:extLst>
+              <p:ext uri="{D42A27DB-BD31-4B8C-83A1-F6EECF244321}">
+                <p14:modId xmlns:p14="http://schemas.microsoft.com/office/powerpoint/2010/main" val="1646733848"/>
+              </p:ext>
+            </p:extLst>
+          </p:nvPr>
+        </p:nvGraphicFramePr>
+        <p:xfrm>
+          <a:off x="2176379" y="4916154"/>
+          <a:ext cx="8128000" cy="1163804"/>
+        </p:xfrm>
+        <a:graphic>
+          <a:graphicData uri="http://schemas.openxmlformats.org/drawingml/2006/table">
+            <a:tbl>
+              <a:tblPr firstRow="1" bandRow="1">
+                <a:tableStyleId>{BC89EF96-8CEA-46FF-86C4-4CE0E7609802}</a:tableStyleId>
+              </a:tblPr>
+              <a:tblGrid>
+                <a:gridCol w="1080168">
+                  <a:extLst>
+                    <a:ext uri="{9D8B030D-6E8A-4147-A177-3AD203B41FA5}">
+                      <a16:colId xmlns:a16="http://schemas.microsoft.com/office/drawing/2014/main" val="36497964"/>
+                    </a:ext>
+                  </a:extLst>
+                </a:gridCol>
+                <a:gridCol w="7047832">
+                  <a:extLst>
+                    <a:ext uri="{9D8B030D-6E8A-4147-A177-3AD203B41FA5}">
+                      <a16:colId xmlns:a16="http://schemas.microsoft.com/office/drawing/2014/main" val="2024475099"/>
+                    </a:ext>
+                  </a:extLst>
+                </a:gridCol>
+              </a:tblGrid>
+              <a:tr h="370840">
+                <a:tc>
+                  <a:txBody>
+                    <a:bodyPr/>
+                    <a:lstStyle/>
+                    <a:p>
+                      <a:r>
+                        <a:rPr lang="zh-TW" altLang="en-US" dirty="0"/>
+                        <a:t>輸入</a:t>
+                      </a:r>
+                    </a:p>
+                  </a:txBody>
+                  <a:tcPr/>
+                </a:tc>
+                <a:tc>
+                  <a:txBody>
+                    <a:bodyPr/>
+                    <a:lstStyle/>
+                    <a:p>
+                      <a:r>
+                        <a:rPr lang="en-US" altLang="zh-TW" dirty="0" err="1"/>
+                        <a:t>gray_image</a:t>
+                      </a:r>
+                      <a:r>
+                        <a:rPr lang="zh-TW" altLang="en-US" dirty="0"/>
+                        <a:t>、</a:t>
+                      </a:r>
+                      <a:r>
+                        <a:rPr lang="en-US" altLang="zh-TW" dirty="0" err="1"/>
+                        <a:t>road_mask</a:t>
+                      </a:r>
+                      <a:endParaRPr lang="zh-TW" altLang="en-US" dirty="0"/>
+                    </a:p>
+                  </a:txBody>
+                  <a:tcPr/>
+                </a:tc>
+                <a:extLst>
+                  <a:ext uri="{0D108BD9-81ED-4DB2-BD59-A6C34878D82A}">
+                    <a16:rowId xmlns:a16="http://schemas.microsoft.com/office/drawing/2014/main" val="1202189038"/>
+                  </a:ext>
+                </a:extLst>
+              </a:tr>
+              <a:tr h="370840">
+                <a:tc>
+                  <a:txBody>
+                    <a:bodyPr/>
+                    <a:lstStyle/>
+                    <a:p>
+                      <a:r>
+                        <a:rPr lang="zh-TW" altLang="en-US" dirty="0"/>
+                        <a:t>輸出</a:t>
+                      </a:r>
+                      <a:endParaRPr lang="en-US" altLang="zh-TW" dirty="0"/>
+                    </a:p>
+                  </a:txBody>
+                  <a:tcPr/>
+                </a:tc>
+                <a:tc>
+                  <a:txBody>
+                    <a:bodyPr/>
+                    <a:lstStyle/>
+                    <a:p>
+                      <a:r>
+                        <a:rPr lang="en-US" altLang="zh-TW" dirty="0" err="1"/>
+                        <a:t>lbp_image</a:t>
+                      </a:r>
+                      <a:endParaRPr lang="zh-TW" altLang="en-US" dirty="0"/>
+                    </a:p>
+                  </a:txBody>
+                  <a:tcPr/>
+                </a:tc>
+                <a:extLst>
+                  <a:ext uri="{0D108BD9-81ED-4DB2-BD59-A6C34878D82A}">
+                    <a16:rowId xmlns:a16="http://schemas.microsoft.com/office/drawing/2014/main" val="2530239967"/>
+                  </a:ext>
+                </a:extLst>
+              </a:tr>
+              <a:tr h="422124">
+                <a:tc>
+                  <a:txBody>
+                    <a:bodyPr/>
+                    <a:lstStyle/>
+                    <a:p>
+                      <a:r>
+                        <a:rPr lang="zh-TW" altLang="en-US" dirty="0"/>
+                        <a:t>方法</a:t>
+                      </a:r>
+                    </a:p>
+                  </a:txBody>
+                  <a:tcPr/>
+                </a:tc>
+                <a:tc>
+                  <a:txBody>
+                    <a:bodyPr/>
+                    <a:lstStyle/>
+                    <a:p>
+                      <a:r>
+                        <a:rPr lang="en-US" altLang="zh-TW" dirty="0" err="1"/>
+                        <a:t>compute_lbp</a:t>
+                      </a:r>
+                      <a:endParaRPr lang="zh-TW" altLang="en-US" dirty="0"/>
+                    </a:p>
+                  </a:txBody>
+                  <a:tcPr/>
+                </a:tc>
+                <a:extLst>
+                  <a:ext uri="{0D108BD9-81ED-4DB2-BD59-A6C34878D82A}">
+                    <a16:rowId xmlns:a16="http://schemas.microsoft.com/office/drawing/2014/main" val="1450406126"/>
+                  </a:ext>
+                </a:extLst>
+              </a:tr>
+            </a:tbl>
+          </a:graphicData>
+        </a:graphic>
+      </p:graphicFrame>
+      <p:sp>
+        <p:nvSpPr>
+          <p:cNvPr id="9" name="文字方塊 8">
+            <a:extLst>
+              <a:ext uri="{FF2B5EF4-FFF2-40B4-BE49-F238E27FC236}">
+                <a16:creationId xmlns:a16="http://schemas.microsoft.com/office/drawing/2014/main" id="{40FA2A8E-8AB0-4A11-AB44-98FF4230C787}"/>
+              </a:ext>
+            </a:extLst>
+          </p:cNvPr>
+          <p:cNvSpPr txBox="1"/>
+          <p:nvPr/>
+        </p:nvSpPr>
+        <p:spPr>
+          <a:xfrm>
+            <a:off x="673768" y="1358614"/>
+            <a:ext cx="1502611" cy="923330"/>
+          </a:xfrm>
+          <a:prstGeom prst="rect">
+            <a:avLst/>
+          </a:prstGeom>
+          <a:noFill/>
+        </p:spPr>
+        <p:txBody>
+          <a:bodyPr wrap="square" rtlCol="0">
+            <a:spAutoFit/>
+          </a:bodyPr>
+          <a:lstStyle/>
+          <a:p>
+            <a:r>
+              <a:rPr lang="zh-TW" altLang="en-US" dirty="0"/>
+              <a:t>讀取圖片</a:t>
+            </a:r>
+            <a:endParaRPr lang="en-US" altLang="zh-TW" dirty="0"/>
+          </a:p>
+          <a:p>
+            <a:r>
+              <a:rPr lang="zh-TW" altLang="en-US" dirty="0"/>
+              <a:t>轉灰階</a:t>
+            </a:r>
+            <a:endParaRPr lang="en-US" altLang="zh-TW" dirty="0"/>
+          </a:p>
+          <a:p>
+            <a:r>
+              <a:rPr lang="zh-TW" altLang="en-US" dirty="0"/>
+              <a:t>轉</a:t>
+            </a:r>
+            <a:r>
+              <a:rPr lang="en-US" altLang="zh-TW" dirty="0"/>
+              <a:t>HSV</a:t>
+            </a:r>
+            <a:endParaRPr lang="zh-TW" altLang="en-US" dirty="0"/>
+          </a:p>
+        </p:txBody>
+      </p:sp>
+      <p:sp>
+        <p:nvSpPr>
+          <p:cNvPr id="10" name="文字方塊 9">
+            <a:extLst>
+              <a:ext uri="{FF2B5EF4-FFF2-40B4-BE49-F238E27FC236}">
+                <a16:creationId xmlns:a16="http://schemas.microsoft.com/office/drawing/2014/main" id="{094E0AAB-3379-4B84-9BCE-C22074551D60}"/>
+              </a:ext>
+            </a:extLst>
+          </p:cNvPr>
+          <p:cNvSpPr txBox="1"/>
+          <p:nvPr/>
+        </p:nvSpPr>
+        <p:spPr>
+          <a:xfrm>
+            <a:off x="673768" y="3380316"/>
+            <a:ext cx="1502611" cy="369332"/>
+          </a:xfrm>
+          <a:prstGeom prst="rect">
+            <a:avLst/>
+          </a:prstGeom>
+          <a:noFill/>
+        </p:spPr>
+        <p:txBody>
+          <a:bodyPr wrap="square" rtlCol="0">
+            <a:spAutoFit/>
+          </a:bodyPr>
+          <a:lstStyle/>
+          <a:p>
+            <a:r>
+              <a:rPr lang="zh-TW" altLang="en-US" dirty="0"/>
+              <a:t>設定</a:t>
+            </a:r>
+            <a:r>
+              <a:rPr lang="en-US" altLang="zh-TW" dirty="0"/>
+              <a:t>HSV</a:t>
+            </a:r>
+            <a:r>
+              <a:rPr lang="zh-TW" altLang="en-US" dirty="0"/>
+              <a:t>範圍</a:t>
+            </a:r>
+          </a:p>
+        </p:txBody>
+      </p:sp>
+      <p:sp>
+        <p:nvSpPr>
+          <p:cNvPr id="11" name="文字方塊 10">
+            <a:extLst>
+              <a:ext uri="{FF2B5EF4-FFF2-40B4-BE49-F238E27FC236}">
+                <a16:creationId xmlns:a16="http://schemas.microsoft.com/office/drawing/2014/main" id="{BA141FE7-A405-44EE-9FA4-7330665037D7}"/>
+              </a:ext>
+            </a:extLst>
+          </p:cNvPr>
+          <p:cNvSpPr txBox="1"/>
+          <p:nvPr/>
+        </p:nvSpPr>
+        <p:spPr>
+          <a:xfrm>
+            <a:off x="673768" y="5117432"/>
+            <a:ext cx="1588169" cy="646331"/>
+          </a:xfrm>
+          <a:prstGeom prst="rect">
+            <a:avLst/>
+          </a:prstGeom>
+          <a:noFill/>
+        </p:spPr>
+        <p:txBody>
+          <a:bodyPr wrap="square" rtlCol="0">
+            <a:spAutoFit/>
+          </a:bodyPr>
+          <a:lstStyle/>
+          <a:p>
+            <a:pPr algn="ctr"/>
+            <a:r>
+              <a:rPr lang="zh-TW" altLang="en-US" dirty="0"/>
+              <a:t>計算道路區域</a:t>
+            </a:r>
+            <a:endParaRPr lang="en-US" altLang="zh-TW" dirty="0"/>
+          </a:p>
+          <a:p>
+            <a:pPr algn="ctr"/>
+            <a:r>
+              <a:rPr lang="en-US" altLang="zh-TW" dirty="0"/>
+              <a:t>(LBP)</a:t>
+            </a:r>
+            <a:endParaRPr lang="zh-TW" altLang="en-US" dirty="0"/>
+          </a:p>
+        </p:txBody>
+      </p:sp>
+    </p:spTree>
+    <p:extLst>
+      <p:ext uri="{BB962C8B-B14F-4D97-AF65-F5344CB8AC3E}">
+        <p14:creationId xmlns:p14="http://schemas.microsoft.com/office/powerpoint/2010/main" val="225904534"/>
+      </p:ext>
+    </p:extLst>
+  </p:cSld>
+  <p:clrMapOvr>
+    <a:masterClrMapping/>
+  </p:clrMapOvr>
+</p:sld>
+</file>
+
+<file path=ppt/slides/slide4.xml><?xml version="1.0" encoding="utf-8"?>
+<p:sld xmlns:a="http://schemas.openxmlformats.org/drawingml/2006/main" xmlns:r="http://schemas.openxmlformats.org/officeDocument/2006/relationships" xmlns:p="http://schemas.openxmlformats.org/presentationml/2006/main">
+  <p:cSld>
+    <p:spTree>
+      <p:nvGrpSpPr>
+        <p:cNvPr id="1" name=""/>
+        <p:cNvGrpSpPr/>
+        <p:nvPr/>
+      </p:nvGrpSpPr>
+      <p:grpSpPr>
+        <a:xfrm>
+          <a:off x="0" y="0"/>
+          <a:ext cx="0" cy="0"/>
+          <a:chOff x="0" y="0"/>
+          <a:chExt cx="0" cy="0"/>
+        </a:xfrm>
+      </p:grpSpPr>
+      <p:sp>
+        <p:nvSpPr>
+          <p:cNvPr id="2" name="標題 1">
+            <a:extLst>
+              <a:ext uri="{FF2B5EF4-FFF2-40B4-BE49-F238E27FC236}">
+                <a16:creationId xmlns:a16="http://schemas.microsoft.com/office/drawing/2014/main" id="{EA91C35A-22EE-4552-8CFF-2BC1174387B6}"/>
+              </a:ext>
+            </a:extLst>
+          </p:cNvPr>
+          <p:cNvSpPr>
+            <a:spLocks noGrp="1"/>
+          </p:cNvSpPr>
+          <p:nvPr>
+            <p:ph type="title"/>
+          </p:nvPr>
+        </p:nvSpPr>
+        <p:spPr>
+          <a:xfrm>
+            <a:off x="0" y="239697"/>
+            <a:ext cx="10515600" cy="441341"/>
+          </a:xfrm>
+        </p:spPr>
+        <p:txBody>
+          <a:bodyPr>
+            <a:normAutofit/>
+          </a:bodyPr>
+          <a:lstStyle/>
+          <a:p>
+            <a:r>
+              <a:rPr lang="en-US" altLang="zh-TW" sz="1800" dirty="0"/>
+              <a:t>11/07</a:t>
+            </a:r>
+            <a:endParaRPr lang="zh-TW" altLang="en-US" sz="1800" dirty="0"/>
+          </a:p>
+        </p:txBody>
+      </p:sp>
+      <p:graphicFrame>
+        <p:nvGraphicFramePr>
+          <p:cNvPr id="5" name="表格 4">
+            <a:extLst>
+              <a:ext uri="{FF2B5EF4-FFF2-40B4-BE49-F238E27FC236}">
+                <a16:creationId xmlns:a16="http://schemas.microsoft.com/office/drawing/2014/main" id="{B2740315-4E18-4AA8-BBFB-8E94B62CB724}"/>
+              </a:ext>
+            </a:extLst>
+          </p:cNvPr>
+          <p:cNvGraphicFramePr>
+            <a:graphicFrameLocks noGrp="1"/>
+          </p:cNvGraphicFramePr>
+          <p:nvPr>
+            <p:extLst>
+              <p:ext uri="{D42A27DB-BD31-4B8C-83A1-F6EECF244321}">
+                <p14:modId xmlns:p14="http://schemas.microsoft.com/office/powerpoint/2010/main" val="3495019473"/>
+              </p:ext>
+            </p:extLst>
+          </p:nvPr>
+        </p:nvGraphicFramePr>
+        <p:xfrm>
+          <a:off x="2176379" y="1225342"/>
+          <a:ext cx="8128000" cy="1163804"/>
+        </p:xfrm>
+        <a:graphic>
+          <a:graphicData uri="http://schemas.openxmlformats.org/drawingml/2006/table">
+            <a:tbl>
+              <a:tblPr firstRow="1" bandRow="1">
+                <a:tableStyleId>{BC89EF96-8CEA-46FF-86C4-4CE0E7609802}</a:tableStyleId>
+              </a:tblPr>
+              <a:tblGrid>
+                <a:gridCol w="1080168">
+                  <a:extLst>
+                    <a:ext uri="{9D8B030D-6E8A-4147-A177-3AD203B41FA5}">
+                      <a16:colId xmlns:a16="http://schemas.microsoft.com/office/drawing/2014/main" val="36497964"/>
+                    </a:ext>
+                  </a:extLst>
+                </a:gridCol>
+                <a:gridCol w="7047832">
+                  <a:extLst>
+                    <a:ext uri="{9D8B030D-6E8A-4147-A177-3AD203B41FA5}">
+                      <a16:colId xmlns:a16="http://schemas.microsoft.com/office/drawing/2014/main" val="2024475099"/>
+                    </a:ext>
+                  </a:extLst>
+                </a:gridCol>
+              </a:tblGrid>
+              <a:tr h="370840">
+                <a:tc>
+                  <a:txBody>
+                    <a:bodyPr/>
+                    <a:lstStyle/>
+                    <a:p>
+                      <a:r>
+                        <a:rPr lang="zh-TW" altLang="en-US" dirty="0"/>
+                        <a:t>輸入</a:t>
+                      </a:r>
+                    </a:p>
+                  </a:txBody>
+                  <a:tcPr/>
+                </a:tc>
+                <a:tc>
+                  <a:txBody>
+                    <a:bodyPr/>
+                    <a:lstStyle/>
+                    <a:p>
+                      <a:r>
+                        <a:rPr lang="en-US" altLang="zh-TW" dirty="0"/>
+                        <a:t>Image</a:t>
+                      </a:r>
+                      <a:r>
+                        <a:rPr lang="zh-TW" altLang="en-US" dirty="0"/>
+                        <a:t>、</a:t>
+                      </a:r>
+                      <a:r>
+                        <a:rPr lang="en-US" altLang="zh-TW" dirty="0"/>
+                        <a:t>start</a:t>
+                      </a:r>
+                      <a:r>
+                        <a:rPr lang="zh-TW" altLang="en-US" dirty="0"/>
+                        <a:t>、</a:t>
+                      </a:r>
+                      <a:r>
+                        <a:rPr lang="en-US" altLang="zh-TW" dirty="0"/>
+                        <a:t>visited</a:t>
+                      </a:r>
+                      <a:endParaRPr lang="zh-TW" altLang="en-US" dirty="0"/>
+                    </a:p>
+                  </a:txBody>
+                  <a:tcPr/>
+                </a:tc>
+                <a:extLst>
+                  <a:ext uri="{0D108BD9-81ED-4DB2-BD59-A6C34878D82A}">
+                    <a16:rowId xmlns:a16="http://schemas.microsoft.com/office/drawing/2014/main" val="1202189038"/>
+                  </a:ext>
+                </a:extLst>
+              </a:tr>
+              <a:tr h="370840">
+                <a:tc>
+                  <a:txBody>
+                    <a:bodyPr/>
+                    <a:lstStyle/>
+                    <a:p>
+                      <a:r>
+                        <a:rPr lang="zh-TW" altLang="en-US" dirty="0"/>
+                        <a:t>輸出</a:t>
+                      </a:r>
+                      <a:endParaRPr lang="en-US" altLang="zh-TW" dirty="0"/>
+                    </a:p>
+                  </a:txBody>
+                  <a:tcPr/>
+                </a:tc>
+                <a:tc>
+                  <a:txBody>
+                    <a:bodyPr/>
+                    <a:lstStyle/>
+                    <a:p>
+                      <a:r>
+                        <a:rPr lang="en-US" altLang="zh-TW" dirty="0"/>
+                        <a:t>component</a:t>
+                      </a:r>
+                      <a:endParaRPr lang="zh-TW" altLang="en-US" dirty="0"/>
+                    </a:p>
+                  </a:txBody>
+                  <a:tcPr/>
+                </a:tc>
+                <a:extLst>
+                  <a:ext uri="{0D108BD9-81ED-4DB2-BD59-A6C34878D82A}">
+                    <a16:rowId xmlns:a16="http://schemas.microsoft.com/office/drawing/2014/main" val="2530239967"/>
+                  </a:ext>
+                </a:extLst>
+              </a:tr>
+              <a:tr h="422124">
+                <a:tc>
+                  <a:txBody>
+                    <a:bodyPr/>
+                    <a:lstStyle/>
+                    <a:p>
+                      <a:r>
+                        <a:rPr lang="zh-TW" altLang="en-US" dirty="0"/>
+                        <a:t>方法</a:t>
+                      </a:r>
+                    </a:p>
+                  </a:txBody>
+                  <a:tcPr/>
+                </a:tc>
+                <a:tc>
+                  <a:txBody>
+                    <a:bodyPr/>
+                    <a:lstStyle/>
+                    <a:p>
+                      <a:r>
+                        <a:rPr lang="en-US" altLang="zh-TW" dirty="0"/>
+                        <a:t>deque(</a:t>
+                      </a:r>
+                      <a:r>
+                        <a:rPr lang="zh-TW" altLang="en-US" dirty="0"/>
+                        <a:t>［</a:t>
+                      </a:r>
+                      <a:r>
+                        <a:rPr lang="en-US" altLang="zh-TW" dirty="0"/>
+                        <a:t>start</a:t>
+                      </a:r>
+                      <a:r>
+                        <a:rPr lang="zh-TW" altLang="en-US" dirty="0"/>
+                        <a:t>］</a:t>
+                      </a:r>
+                      <a:r>
+                        <a:rPr lang="en-US" altLang="zh-TW" dirty="0"/>
+                        <a:t>)</a:t>
+                      </a:r>
+                      <a:r>
+                        <a:rPr lang="zh-TW" altLang="en-US" dirty="0"/>
+                        <a:t>、</a:t>
+                      </a:r>
+                      <a:r>
+                        <a:rPr lang="en-US" altLang="zh-TW" dirty="0" err="1"/>
+                        <a:t>queue.popleft</a:t>
+                      </a:r>
+                      <a:r>
+                        <a:rPr lang="en-US" altLang="zh-TW" dirty="0"/>
+                        <a:t>()</a:t>
+                      </a:r>
+                      <a:endParaRPr lang="zh-TW" altLang="en-US" dirty="0"/>
+                    </a:p>
+                  </a:txBody>
+                  <a:tcPr/>
+                </a:tc>
+                <a:extLst>
+                  <a:ext uri="{0D108BD9-81ED-4DB2-BD59-A6C34878D82A}">
+                    <a16:rowId xmlns:a16="http://schemas.microsoft.com/office/drawing/2014/main" val="1450406126"/>
+                  </a:ext>
+                </a:extLst>
+              </a:tr>
+            </a:tbl>
+          </a:graphicData>
+        </a:graphic>
+      </p:graphicFrame>
+      <p:graphicFrame>
+        <p:nvGraphicFramePr>
+          <p:cNvPr id="6" name="表格 5">
+            <a:extLst>
+              <a:ext uri="{FF2B5EF4-FFF2-40B4-BE49-F238E27FC236}">
+                <a16:creationId xmlns:a16="http://schemas.microsoft.com/office/drawing/2014/main" id="{5621787E-8DF7-4D3B-A726-D7675C1BC770}"/>
+              </a:ext>
+            </a:extLst>
+          </p:cNvPr>
+          <p:cNvGraphicFramePr>
+            <a:graphicFrameLocks noGrp="1"/>
+          </p:cNvGraphicFramePr>
+          <p:nvPr>
+            <p:extLst>
+              <p:ext uri="{D42A27DB-BD31-4B8C-83A1-F6EECF244321}">
+                <p14:modId xmlns:p14="http://schemas.microsoft.com/office/powerpoint/2010/main" val="2439690770"/>
+              </p:ext>
+            </p:extLst>
+          </p:nvPr>
+        </p:nvGraphicFramePr>
+        <p:xfrm>
+          <a:off x="2176379" y="2983080"/>
+          <a:ext cx="8128000" cy="1163804"/>
+        </p:xfrm>
+        <a:graphic>
+          <a:graphicData uri="http://schemas.openxmlformats.org/drawingml/2006/table">
+            <a:tbl>
+              <a:tblPr firstRow="1" bandRow="1">
+                <a:tableStyleId>{BC89EF96-8CEA-46FF-86C4-4CE0E7609802}</a:tableStyleId>
+              </a:tblPr>
+              <a:tblGrid>
+                <a:gridCol w="1080168">
+                  <a:extLst>
+                    <a:ext uri="{9D8B030D-6E8A-4147-A177-3AD203B41FA5}">
+                      <a16:colId xmlns:a16="http://schemas.microsoft.com/office/drawing/2014/main" val="36497964"/>
+                    </a:ext>
+                  </a:extLst>
+                </a:gridCol>
+                <a:gridCol w="7047832">
+                  <a:extLst>
+                    <a:ext uri="{9D8B030D-6E8A-4147-A177-3AD203B41FA5}">
+                      <a16:colId xmlns:a16="http://schemas.microsoft.com/office/drawing/2014/main" val="2024475099"/>
+                    </a:ext>
+                  </a:extLst>
+                </a:gridCol>
+              </a:tblGrid>
+              <a:tr h="370840">
+                <a:tc>
+                  <a:txBody>
+                    <a:bodyPr/>
+                    <a:lstStyle/>
+                    <a:p>
+                      <a:r>
+                        <a:rPr lang="zh-TW" altLang="en-US" dirty="0"/>
+                        <a:t>輸入</a:t>
+                      </a:r>
+                    </a:p>
+                  </a:txBody>
+                  <a:tcPr/>
+                </a:tc>
+                <a:tc>
+                  <a:txBody>
+                    <a:bodyPr/>
+                    <a:lstStyle/>
+                    <a:p>
+                      <a:r>
+                        <a:rPr lang="en-US" altLang="zh-TW" dirty="0" err="1"/>
+                        <a:t>lbp_image</a:t>
+                      </a:r>
+                      <a:r>
+                        <a:rPr lang="zh-TW" altLang="en-US" dirty="0"/>
+                        <a:t>、</a:t>
+                      </a:r>
+                      <a:r>
+                        <a:rPr lang="en-US" altLang="zh-TW" dirty="0"/>
+                        <a:t>0</a:t>
+                      </a:r>
+                      <a:r>
+                        <a:rPr lang="zh-TW" altLang="en-US" dirty="0"/>
+                        <a:t>、</a:t>
+                      </a:r>
+                      <a:r>
+                        <a:rPr lang="en-US" altLang="zh-TW" dirty="0"/>
+                        <a:t>255</a:t>
+                      </a:r>
+                      <a:r>
+                        <a:rPr lang="zh-TW" altLang="en-US" dirty="0"/>
+                        <a:t>、</a:t>
+                      </a:r>
+                      <a:r>
+                        <a:rPr lang="en-US" altLang="zh-TW" dirty="0"/>
+                        <a:t>cv2.THRESH_BINARY + cv2.THRESH_OTSU</a:t>
+                      </a:r>
+                      <a:endParaRPr lang="zh-TW" altLang="en-US" dirty="0"/>
+                    </a:p>
+                  </a:txBody>
+                  <a:tcPr/>
+                </a:tc>
+                <a:extLst>
+                  <a:ext uri="{0D108BD9-81ED-4DB2-BD59-A6C34878D82A}">
+                    <a16:rowId xmlns:a16="http://schemas.microsoft.com/office/drawing/2014/main" val="1202189038"/>
+                  </a:ext>
+                </a:extLst>
+              </a:tr>
+              <a:tr h="370840">
+                <a:tc>
+                  <a:txBody>
+                    <a:bodyPr/>
+                    <a:lstStyle/>
+                    <a:p>
+                      <a:r>
+                        <a:rPr lang="zh-TW" altLang="en-US" dirty="0"/>
+                        <a:t>輸出</a:t>
+                      </a:r>
+                      <a:endParaRPr lang="en-US" altLang="zh-TW" dirty="0"/>
+                    </a:p>
+                  </a:txBody>
+                  <a:tcPr/>
+                </a:tc>
+                <a:tc>
+                  <a:txBody>
+                    <a:bodyPr/>
+                    <a:lstStyle/>
+                    <a:p>
+                      <a:r>
+                        <a:rPr lang="en-US" altLang="zh-TW" dirty="0"/>
+                        <a:t>_(</a:t>
+                      </a:r>
+                      <a:r>
+                        <a:rPr lang="zh-TW" altLang="en-US" dirty="0"/>
+                        <a:t>忽略計算的闊值</a:t>
+                      </a:r>
+                      <a:r>
+                        <a:rPr lang="en-US" altLang="zh-TW" dirty="0"/>
+                        <a:t>)</a:t>
+                      </a:r>
+                      <a:r>
+                        <a:rPr lang="zh-TW" altLang="en-US" dirty="0"/>
+                        <a:t>、</a:t>
+                      </a:r>
+                      <a:r>
+                        <a:rPr lang="en-US" altLang="zh-TW" dirty="0"/>
+                        <a:t>mask</a:t>
+                      </a:r>
+                      <a:endParaRPr lang="zh-TW" altLang="en-US" dirty="0"/>
+                    </a:p>
+                  </a:txBody>
+                  <a:tcPr/>
+                </a:tc>
+                <a:extLst>
+                  <a:ext uri="{0D108BD9-81ED-4DB2-BD59-A6C34878D82A}">
+                    <a16:rowId xmlns:a16="http://schemas.microsoft.com/office/drawing/2014/main" val="2530239967"/>
+                  </a:ext>
+                </a:extLst>
+              </a:tr>
+              <a:tr h="422124">
+                <a:tc>
+                  <a:txBody>
+                    <a:bodyPr/>
+                    <a:lstStyle/>
+                    <a:p>
+                      <a:r>
+                        <a:rPr lang="zh-TW" altLang="en-US" dirty="0"/>
+                        <a:t>方法</a:t>
+                      </a:r>
+                    </a:p>
+                  </a:txBody>
+                  <a:tcPr/>
+                </a:tc>
+                <a:tc>
+                  <a:txBody>
+                    <a:bodyPr/>
+                    <a:lstStyle/>
+                    <a:p>
+                      <a:r>
+                        <a:rPr lang="en-US" altLang="zh-TW" dirty="0"/>
+                        <a:t>cv2.threshold()</a:t>
+                      </a:r>
+                      <a:endParaRPr lang="zh-TW" altLang="en-US" dirty="0"/>
+                    </a:p>
+                  </a:txBody>
+                  <a:tcPr/>
+                </a:tc>
+                <a:extLst>
+                  <a:ext uri="{0D108BD9-81ED-4DB2-BD59-A6C34878D82A}">
+                    <a16:rowId xmlns:a16="http://schemas.microsoft.com/office/drawing/2014/main" val="1450406126"/>
+                  </a:ext>
+                </a:extLst>
+              </a:tr>
+            </a:tbl>
+          </a:graphicData>
+        </a:graphic>
+      </p:graphicFrame>
+      <p:sp>
+        <p:nvSpPr>
+          <p:cNvPr id="7" name="文字方塊 6">
+            <a:extLst>
+              <a:ext uri="{FF2B5EF4-FFF2-40B4-BE49-F238E27FC236}">
+                <a16:creationId xmlns:a16="http://schemas.microsoft.com/office/drawing/2014/main" id="{5E77BA56-4CC5-4963-A8B2-6902038AF815}"/>
+              </a:ext>
+            </a:extLst>
+          </p:cNvPr>
+          <p:cNvSpPr txBox="1"/>
+          <p:nvPr/>
+        </p:nvSpPr>
+        <p:spPr>
+          <a:xfrm>
+            <a:off x="1090863" y="106424"/>
+            <a:ext cx="1171074" cy="707886"/>
+          </a:xfrm>
+          <a:prstGeom prst="rect">
+            <a:avLst/>
+          </a:prstGeom>
+          <a:noFill/>
+        </p:spPr>
+        <p:txBody>
+          <a:bodyPr wrap="square" rtlCol="0">
+            <a:spAutoFit/>
+          </a:bodyPr>
+          <a:lstStyle/>
+          <a:p>
+            <a:r>
+              <a:rPr lang="en-US" altLang="zh-TW" sz="4000" b="1" dirty="0"/>
+              <a:t>API</a:t>
+            </a:r>
+            <a:endParaRPr lang="zh-TW" altLang="en-US" sz="4000" b="1" dirty="0"/>
+          </a:p>
+        </p:txBody>
+      </p:sp>
+      <p:graphicFrame>
+        <p:nvGraphicFramePr>
+          <p:cNvPr id="8" name="表格 7">
+            <a:extLst>
+              <a:ext uri="{FF2B5EF4-FFF2-40B4-BE49-F238E27FC236}">
+                <a16:creationId xmlns:a16="http://schemas.microsoft.com/office/drawing/2014/main" id="{815FC02B-9223-4D30-A12A-5945A6C8C788}"/>
+              </a:ext>
+            </a:extLst>
+          </p:cNvPr>
+          <p:cNvGraphicFramePr>
+            <a:graphicFrameLocks noGrp="1"/>
+          </p:cNvGraphicFramePr>
+          <p:nvPr>
+            <p:extLst>
+              <p:ext uri="{D42A27DB-BD31-4B8C-83A1-F6EECF244321}">
+                <p14:modId xmlns:p14="http://schemas.microsoft.com/office/powerpoint/2010/main" val="840263098"/>
+              </p:ext>
+            </p:extLst>
+          </p:nvPr>
+        </p:nvGraphicFramePr>
+        <p:xfrm>
+          <a:off x="2176379" y="4916154"/>
+          <a:ext cx="8128000" cy="1163804"/>
+        </p:xfrm>
+        <a:graphic>
+          <a:graphicData uri="http://schemas.openxmlformats.org/drawingml/2006/table">
+            <a:tbl>
+              <a:tblPr firstRow="1" bandRow="1">
+                <a:tableStyleId>{BC89EF96-8CEA-46FF-86C4-4CE0E7609802}</a:tableStyleId>
+              </a:tblPr>
+              <a:tblGrid>
+                <a:gridCol w="1080168">
+                  <a:extLst>
+                    <a:ext uri="{9D8B030D-6E8A-4147-A177-3AD203B41FA5}">
+                      <a16:colId xmlns:a16="http://schemas.microsoft.com/office/drawing/2014/main" val="36497964"/>
+                    </a:ext>
+                  </a:extLst>
+                </a:gridCol>
+                <a:gridCol w="7047832">
+                  <a:extLst>
+                    <a:ext uri="{9D8B030D-6E8A-4147-A177-3AD203B41FA5}">
+                      <a16:colId xmlns:a16="http://schemas.microsoft.com/office/drawing/2014/main" val="2024475099"/>
+                    </a:ext>
+                  </a:extLst>
+                </a:gridCol>
+              </a:tblGrid>
+              <a:tr h="370840">
+                <a:tc>
+                  <a:txBody>
+                    <a:bodyPr/>
+                    <a:lstStyle/>
+                    <a:p>
+                      <a:r>
+                        <a:rPr lang="zh-TW" altLang="en-US" dirty="0"/>
+                        <a:t>輸入</a:t>
+                      </a:r>
+                    </a:p>
+                  </a:txBody>
+                  <a:tcPr/>
+                </a:tc>
+                <a:tc>
+                  <a:txBody>
+                    <a:bodyPr/>
+                    <a:lstStyle/>
+                    <a:p>
+                      <a:r>
+                        <a:rPr lang="en-US" altLang="zh-TW" dirty="0"/>
+                        <a:t>mask</a:t>
+                      </a:r>
+                      <a:endParaRPr lang="zh-TW" altLang="en-US" dirty="0"/>
+                    </a:p>
+                  </a:txBody>
+                  <a:tcPr/>
+                </a:tc>
+                <a:extLst>
+                  <a:ext uri="{0D108BD9-81ED-4DB2-BD59-A6C34878D82A}">
+                    <a16:rowId xmlns:a16="http://schemas.microsoft.com/office/drawing/2014/main" val="1202189038"/>
+                  </a:ext>
+                </a:extLst>
+              </a:tr>
+              <a:tr h="370840">
+                <a:tc>
+                  <a:txBody>
+                    <a:bodyPr/>
+                    <a:lstStyle/>
+                    <a:p>
+                      <a:r>
+                        <a:rPr lang="zh-TW" altLang="en-US" dirty="0"/>
+                        <a:t>輸出</a:t>
+                      </a:r>
+                      <a:endParaRPr lang="en-US" altLang="zh-TW" dirty="0"/>
+                    </a:p>
+                  </a:txBody>
+                  <a:tcPr/>
+                </a:tc>
+                <a:tc>
+                  <a:txBody>
+                    <a:bodyPr/>
+                    <a:lstStyle/>
+                    <a:p>
+                      <a:r>
+                        <a:rPr lang="en-US" altLang="zh-TW" dirty="0"/>
+                        <a:t>visited</a:t>
+                      </a:r>
+                      <a:endParaRPr lang="zh-TW" altLang="en-US" dirty="0"/>
+                    </a:p>
+                  </a:txBody>
+                  <a:tcPr/>
+                </a:tc>
+                <a:extLst>
+                  <a:ext uri="{0D108BD9-81ED-4DB2-BD59-A6C34878D82A}">
+                    <a16:rowId xmlns:a16="http://schemas.microsoft.com/office/drawing/2014/main" val="2530239967"/>
+                  </a:ext>
+                </a:extLst>
+              </a:tr>
+              <a:tr h="422124">
+                <a:tc>
+                  <a:txBody>
+                    <a:bodyPr/>
+                    <a:lstStyle/>
+                    <a:p>
+                      <a:r>
+                        <a:rPr lang="zh-TW" altLang="en-US" dirty="0"/>
+                        <a:t>方法</a:t>
+                      </a:r>
+                    </a:p>
+                  </a:txBody>
+                  <a:tcPr/>
+                </a:tc>
+                <a:tc>
+                  <a:txBody>
+                    <a:bodyPr/>
+                    <a:lstStyle/>
+                    <a:p>
+                      <a:r>
+                        <a:rPr lang="en-US" altLang="zh-TW" dirty="0" err="1"/>
+                        <a:t>np.zero</a:t>
+                      </a:r>
+                      <a:r>
+                        <a:rPr lang="en-US" altLang="zh-TW" dirty="0"/>
+                        <a:t>(</a:t>
+                      </a:r>
+                      <a:r>
+                        <a:rPr lang="en-US" altLang="zh-TW" dirty="0" err="1"/>
+                        <a:t>mask.shape,dtype</a:t>
+                      </a:r>
+                      <a:r>
+                        <a:rPr lang="en-US" altLang="zh-TW" dirty="0"/>
+                        <a:t> = bool)</a:t>
+                      </a:r>
+                      <a:endParaRPr lang="zh-TW" altLang="en-US" dirty="0"/>
+                    </a:p>
+                  </a:txBody>
+                  <a:tcPr/>
+                </a:tc>
+                <a:extLst>
+                  <a:ext uri="{0D108BD9-81ED-4DB2-BD59-A6C34878D82A}">
+                    <a16:rowId xmlns:a16="http://schemas.microsoft.com/office/drawing/2014/main" val="1450406126"/>
+                  </a:ext>
+                </a:extLst>
+              </a:tr>
+            </a:tbl>
+          </a:graphicData>
+        </a:graphic>
+      </p:graphicFrame>
+      <p:sp>
+        <p:nvSpPr>
+          <p:cNvPr id="3" name="文字方塊 2">
+            <a:extLst>
+              <a:ext uri="{FF2B5EF4-FFF2-40B4-BE49-F238E27FC236}">
+                <a16:creationId xmlns:a16="http://schemas.microsoft.com/office/drawing/2014/main" id="{A4768D4E-3A18-4AD8-B71B-89F4F770D711}"/>
+              </a:ext>
+            </a:extLst>
+          </p:cNvPr>
+          <p:cNvSpPr txBox="1"/>
+          <p:nvPr/>
+        </p:nvSpPr>
+        <p:spPr>
+          <a:xfrm>
+            <a:off x="1058779" y="1609951"/>
+            <a:ext cx="1058779" cy="369332"/>
+          </a:xfrm>
+          <a:prstGeom prst="rect">
+            <a:avLst/>
+          </a:prstGeom>
+          <a:noFill/>
+        </p:spPr>
+        <p:txBody>
+          <a:bodyPr wrap="square" rtlCol="0">
+            <a:spAutoFit/>
+          </a:bodyPr>
+          <a:lstStyle/>
+          <a:p>
+            <a:r>
+              <a:rPr lang="en-US" altLang="zh-TW" dirty="0"/>
+              <a:t>BFS</a:t>
+            </a:r>
+            <a:r>
+              <a:rPr lang="zh-TW" altLang="en-US" dirty="0"/>
+              <a:t>分割</a:t>
+            </a:r>
+          </a:p>
+        </p:txBody>
+      </p:sp>
+      <p:sp>
+        <p:nvSpPr>
+          <p:cNvPr id="4" name="文字方塊 3">
+            <a:extLst>
+              <a:ext uri="{FF2B5EF4-FFF2-40B4-BE49-F238E27FC236}">
+                <a16:creationId xmlns:a16="http://schemas.microsoft.com/office/drawing/2014/main" id="{004F8A12-1C49-4B96-AB4A-F01FC2D10584}"/>
+              </a:ext>
+            </a:extLst>
+          </p:cNvPr>
+          <p:cNvSpPr txBox="1"/>
+          <p:nvPr/>
+        </p:nvSpPr>
+        <p:spPr>
+          <a:xfrm>
+            <a:off x="978568" y="3380316"/>
+            <a:ext cx="1171074" cy="369332"/>
+          </a:xfrm>
+          <a:prstGeom prst="rect">
+            <a:avLst/>
+          </a:prstGeom>
+          <a:noFill/>
+        </p:spPr>
+        <p:txBody>
+          <a:bodyPr wrap="square" rtlCol="0">
+            <a:spAutoFit/>
+          </a:bodyPr>
+          <a:lstStyle/>
+          <a:p>
+            <a:r>
+              <a:rPr lang="zh-TW" altLang="en-US" dirty="0"/>
+              <a:t>建立遮罩</a:t>
+            </a:r>
+          </a:p>
+        </p:txBody>
+      </p:sp>
+      <p:sp>
+        <p:nvSpPr>
+          <p:cNvPr id="9" name="文字方塊 8">
+            <a:extLst>
+              <a:ext uri="{FF2B5EF4-FFF2-40B4-BE49-F238E27FC236}">
+                <a16:creationId xmlns:a16="http://schemas.microsoft.com/office/drawing/2014/main" id="{63459078-1503-4A08-B7B9-32684410124F}"/>
+              </a:ext>
+            </a:extLst>
+          </p:cNvPr>
+          <p:cNvSpPr txBox="1"/>
+          <p:nvPr/>
+        </p:nvSpPr>
+        <p:spPr>
+          <a:xfrm>
+            <a:off x="946484" y="5174890"/>
+            <a:ext cx="1171074" cy="646331"/>
+          </a:xfrm>
+          <a:prstGeom prst="rect">
+            <a:avLst/>
+          </a:prstGeom>
+          <a:noFill/>
+        </p:spPr>
+        <p:txBody>
+          <a:bodyPr wrap="square" rtlCol="0">
+            <a:spAutoFit/>
+          </a:bodyPr>
+          <a:lstStyle/>
+          <a:p>
+            <a:pPr algn="ctr"/>
+            <a:r>
+              <a:rPr lang="zh-TW" altLang="en-US" dirty="0"/>
+              <a:t>初始化</a:t>
+            </a:r>
+            <a:endParaRPr lang="en-US" altLang="zh-TW" dirty="0"/>
+          </a:p>
+          <a:p>
+            <a:pPr algn="ctr"/>
+            <a:r>
+              <a:rPr lang="zh-TW" altLang="en-US" dirty="0"/>
+              <a:t>訪問記錄</a:t>
+            </a:r>
+          </a:p>
+        </p:txBody>
+      </p:sp>
+    </p:spTree>
+    <p:extLst>
+      <p:ext uri="{BB962C8B-B14F-4D97-AF65-F5344CB8AC3E}">
+        <p14:creationId xmlns:p14="http://schemas.microsoft.com/office/powerpoint/2010/main" val="1098707639"/>
+      </p:ext>
+    </p:extLst>
+  </p:cSld>
+  <p:clrMapOvr>
+    <a:masterClrMapping/>
+  </p:clrMapOvr>
+</p:sld>
+</file>
+
+<file path=ppt/slides/slide5.xml><?xml version="1.0" encoding="utf-8"?>
+<p:sld xmlns:a="http://schemas.openxmlformats.org/drawingml/2006/main" xmlns:r="http://schemas.openxmlformats.org/officeDocument/2006/relationships" xmlns:p="http://schemas.openxmlformats.org/presentationml/2006/main">
+  <p:cSld>
+    <p:spTree>
+      <p:nvGrpSpPr>
+        <p:cNvPr id="1" name=""/>
+        <p:cNvGrpSpPr/>
+        <p:nvPr/>
+      </p:nvGrpSpPr>
+      <p:grpSpPr>
+        <a:xfrm>
+          <a:off x="0" y="0"/>
+          <a:ext cx="0" cy="0"/>
+          <a:chOff x="0" y="0"/>
+          <a:chExt cx="0" cy="0"/>
+        </a:xfrm>
+      </p:grpSpPr>
+      <p:sp>
+        <p:nvSpPr>
+          <p:cNvPr id="2" name="標題 1">
+            <a:extLst>
+              <a:ext uri="{FF2B5EF4-FFF2-40B4-BE49-F238E27FC236}">
+                <a16:creationId xmlns:a16="http://schemas.microsoft.com/office/drawing/2014/main" id="{EA91C35A-22EE-4552-8CFF-2BC1174387B6}"/>
+              </a:ext>
+            </a:extLst>
+          </p:cNvPr>
+          <p:cNvSpPr>
+            <a:spLocks noGrp="1"/>
+          </p:cNvSpPr>
+          <p:nvPr>
+            <p:ph type="title"/>
+          </p:nvPr>
+        </p:nvSpPr>
+        <p:spPr>
+          <a:xfrm>
+            <a:off x="0" y="239697"/>
+            <a:ext cx="10515600" cy="441341"/>
+          </a:xfrm>
+        </p:spPr>
+        <p:txBody>
+          <a:bodyPr>
+            <a:normAutofit/>
+          </a:bodyPr>
+          <a:lstStyle/>
+          <a:p>
+            <a:r>
+              <a:rPr lang="en-US" altLang="zh-TW" sz="1800" dirty="0"/>
+              <a:t>11/07</a:t>
+            </a:r>
+            <a:endParaRPr lang="zh-TW" altLang="en-US" sz="1800" dirty="0"/>
+          </a:p>
+        </p:txBody>
+      </p:sp>
+      <p:graphicFrame>
+        <p:nvGraphicFramePr>
+          <p:cNvPr id="5" name="表格 4">
+            <a:extLst>
+              <a:ext uri="{FF2B5EF4-FFF2-40B4-BE49-F238E27FC236}">
+                <a16:creationId xmlns:a16="http://schemas.microsoft.com/office/drawing/2014/main" id="{B2740315-4E18-4AA8-BBFB-8E94B62CB724}"/>
+              </a:ext>
+            </a:extLst>
+          </p:cNvPr>
+          <p:cNvGraphicFramePr>
+            <a:graphicFrameLocks noGrp="1"/>
+          </p:cNvGraphicFramePr>
+          <p:nvPr>
+            <p:extLst>
+              <p:ext uri="{D42A27DB-BD31-4B8C-83A1-F6EECF244321}">
+                <p14:modId xmlns:p14="http://schemas.microsoft.com/office/powerpoint/2010/main" val="3476702534"/>
+              </p:ext>
+            </p:extLst>
+          </p:nvPr>
+        </p:nvGraphicFramePr>
+        <p:xfrm>
+          <a:off x="2176379" y="1225342"/>
+          <a:ext cx="8128000" cy="1163804"/>
+        </p:xfrm>
+        <a:graphic>
+          <a:graphicData uri="http://schemas.openxmlformats.org/drawingml/2006/table">
+            <a:tbl>
+              <a:tblPr firstRow="1" bandRow="1">
+                <a:tableStyleId>{BC89EF96-8CEA-46FF-86C4-4CE0E7609802}</a:tableStyleId>
+              </a:tblPr>
+              <a:tblGrid>
+                <a:gridCol w="1080168">
+                  <a:extLst>
+                    <a:ext uri="{9D8B030D-6E8A-4147-A177-3AD203B41FA5}">
+                      <a16:colId xmlns:a16="http://schemas.microsoft.com/office/drawing/2014/main" val="36497964"/>
+                    </a:ext>
+                  </a:extLst>
+                </a:gridCol>
+                <a:gridCol w="7047832">
+                  <a:extLst>
+                    <a:ext uri="{9D8B030D-6E8A-4147-A177-3AD203B41FA5}">
+                      <a16:colId xmlns:a16="http://schemas.microsoft.com/office/drawing/2014/main" val="2024475099"/>
+                    </a:ext>
+                  </a:extLst>
+                </a:gridCol>
+              </a:tblGrid>
+              <a:tr h="370840">
+                <a:tc>
+                  <a:txBody>
+                    <a:bodyPr/>
+                    <a:lstStyle/>
+                    <a:p>
+                      <a:r>
+                        <a:rPr lang="zh-TW" altLang="en-US" dirty="0"/>
+                        <a:t>輸入</a:t>
+                      </a:r>
+                    </a:p>
+                  </a:txBody>
+                  <a:tcPr/>
+                </a:tc>
+                <a:tc>
+                  <a:txBody>
+                    <a:bodyPr/>
+                    <a:lstStyle/>
+                    <a:p>
+                      <a:r>
+                        <a:rPr lang="en-US" altLang="zh-TW" dirty="0"/>
+                        <a:t>mask</a:t>
+                      </a:r>
+                      <a:r>
+                        <a:rPr lang="zh-TW" altLang="en-US" dirty="0"/>
+                        <a:t>、</a:t>
+                      </a:r>
+                      <a:r>
+                        <a:rPr lang="en-US" altLang="zh-TW" dirty="0"/>
+                        <a:t>(</a:t>
+                      </a:r>
+                      <a:r>
+                        <a:rPr lang="en-US" altLang="zh-TW" dirty="0" err="1"/>
+                        <a:t>I,j</a:t>
+                      </a:r>
+                      <a:r>
+                        <a:rPr lang="en-US" altLang="zh-TW" dirty="0"/>
+                        <a:t>)</a:t>
+                      </a:r>
+                      <a:r>
+                        <a:rPr lang="zh-TW" altLang="en-US" dirty="0"/>
+                        <a:t>、</a:t>
+                      </a:r>
+                      <a:r>
+                        <a:rPr lang="en-US" altLang="zh-TW" dirty="0"/>
+                        <a:t>visited</a:t>
+                      </a:r>
+                      <a:endParaRPr lang="zh-TW" altLang="en-US" dirty="0"/>
+                    </a:p>
+                  </a:txBody>
+                  <a:tcPr/>
+                </a:tc>
+                <a:extLst>
+                  <a:ext uri="{0D108BD9-81ED-4DB2-BD59-A6C34878D82A}">
+                    <a16:rowId xmlns:a16="http://schemas.microsoft.com/office/drawing/2014/main" val="1202189038"/>
+                  </a:ext>
+                </a:extLst>
+              </a:tr>
+              <a:tr h="370840">
+                <a:tc>
+                  <a:txBody>
+                    <a:bodyPr/>
+                    <a:lstStyle/>
+                    <a:p>
+                      <a:r>
+                        <a:rPr lang="zh-TW" altLang="en-US" dirty="0"/>
+                        <a:t>輸出</a:t>
+                      </a:r>
+                      <a:endParaRPr lang="en-US" altLang="zh-TW" dirty="0"/>
+                    </a:p>
+                  </a:txBody>
+                  <a:tcPr/>
+                </a:tc>
+                <a:tc>
+                  <a:txBody>
+                    <a:bodyPr/>
+                    <a:lstStyle/>
+                    <a:p>
+                      <a:r>
+                        <a:rPr lang="en-US" altLang="zh-TW" dirty="0"/>
+                        <a:t>component</a:t>
+                      </a:r>
+                      <a:endParaRPr lang="zh-TW" altLang="en-US" dirty="0"/>
+                    </a:p>
+                  </a:txBody>
+                  <a:tcPr/>
+                </a:tc>
+                <a:extLst>
+                  <a:ext uri="{0D108BD9-81ED-4DB2-BD59-A6C34878D82A}">
+                    <a16:rowId xmlns:a16="http://schemas.microsoft.com/office/drawing/2014/main" val="2530239967"/>
+                  </a:ext>
+                </a:extLst>
+              </a:tr>
+              <a:tr h="422124">
+                <a:tc>
+                  <a:txBody>
+                    <a:bodyPr/>
+                    <a:lstStyle/>
+                    <a:p>
+                      <a:r>
+                        <a:rPr lang="zh-TW" altLang="en-US" dirty="0"/>
+                        <a:t>方法</a:t>
+                      </a:r>
+                    </a:p>
+                  </a:txBody>
+                  <a:tcPr/>
+                </a:tc>
+                <a:tc>
+                  <a:txBody>
+                    <a:bodyPr/>
+                    <a:lstStyle/>
+                    <a:p>
+                      <a:r>
+                        <a:rPr lang="en-US" altLang="zh-TW" dirty="0" err="1"/>
+                        <a:t>bfs_segment</a:t>
+                      </a:r>
+                      <a:r>
+                        <a:rPr lang="en-US" altLang="zh-TW" dirty="0"/>
+                        <a:t>()</a:t>
+                      </a:r>
+                      <a:r>
+                        <a:rPr lang="zh-TW" altLang="en-US" dirty="0"/>
+                        <a:t>、</a:t>
+                      </a:r>
+                      <a:r>
+                        <a:rPr lang="en-US" altLang="zh-TW" dirty="0" err="1"/>
+                        <a:t>segment.append</a:t>
+                      </a:r>
+                      <a:r>
+                        <a:rPr lang="en-US" altLang="zh-TW" dirty="0"/>
+                        <a:t>()</a:t>
+                      </a:r>
+                      <a:endParaRPr lang="zh-TW" altLang="en-US" dirty="0"/>
+                    </a:p>
+                  </a:txBody>
+                  <a:tcPr/>
+                </a:tc>
+                <a:extLst>
+                  <a:ext uri="{0D108BD9-81ED-4DB2-BD59-A6C34878D82A}">
+                    <a16:rowId xmlns:a16="http://schemas.microsoft.com/office/drawing/2014/main" val="1450406126"/>
+                  </a:ext>
+                </a:extLst>
+              </a:tr>
+            </a:tbl>
+          </a:graphicData>
+        </a:graphic>
+      </p:graphicFrame>
+      <p:graphicFrame>
+        <p:nvGraphicFramePr>
+          <p:cNvPr id="6" name="表格 5">
+            <a:extLst>
+              <a:ext uri="{FF2B5EF4-FFF2-40B4-BE49-F238E27FC236}">
+                <a16:creationId xmlns:a16="http://schemas.microsoft.com/office/drawing/2014/main" id="{5621787E-8DF7-4D3B-A726-D7675C1BC770}"/>
+              </a:ext>
+            </a:extLst>
+          </p:cNvPr>
+          <p:cNvGraphicFramePr>
+            <a:graphicFrameLocks noGrp="1"/>
+          </p:cNvGraphicFramePr>
+          <p:nvPr>
+            <p:extLst>
+              <p:ext uri="{D42A27DB-BD31-4B8C-83A1-F6EECF244321}">
+                <p14:modId xmlns:p14="http://schemas.microsoft.com/office/powerpoint/2010/main" val="1318084085"/>
+              </p:ext>
+            </p:extLst>
+          </p:nvPr>
+        </p:nvGraphicFramePr>
+        <p:xfrm>
+          <a:off x="2176379" y="2983080"/>
+          <a:ext cx="8128000" cy="1163804"/>
+        </p:xfrm>
+        <a:graphic>
+          <a:graphicData uri="http://schemas.openxmlformats.org/drawingml/2006/table">
+            <a:tbl>
+              <a:tblPr firstRow="1" bandRow="1">
+                <a:tableStyleId>{BC89EF96-8CEA-46FF-86C4-4CE0E7609802}</a:tableStyleId>
+              </a:tblPr>
+              <a:tblGrid>
+                <a:gridCol w="1080168">
+                  <a:extLst>
+                    <a:ext uri="{9D8B030D-6E8A-4147-A177-3AD203B41FA5}">
+                      <a16:colId xmlns:a16="http://schemas.microsoft.com/office/drawing/2014/main" val="36497964"/>
+                    </a:ext>
+                  </a:extLst>
+                </a:gridCol>
+                <a:gridCol w="7047832">
+                  <a:extLst>
+                    <a:ext uri="{9D8B030D-6E8A-4147-A177-3AD203B41FA5}">
+                      <a16:colId xmlns:a16="http://schemas.microsoft.com/office/drawing/2014/main" val="2024475099"/>
+                    </a:ext>
+                  </a:extLst>
+                </a:gridCol>
+              </a:tblGrid>
+              <a:tr h="370840">
+                <a:tc>
+                  <a:txBody>
+                    <a:bodyPr/>
+                    <a:lstStyle/>
+                    <a:p>
+                      <a:r>
+                        <a:rPr lang="zh-TW" altLang="en-US" dirty="0"/>
+                        <a:t>輸入</a:t>
+                      </a:r>
+                    </a:p>
+                  </a:txBody>
+                  <a:tcPr/>
+                </a:tc>
+                <a:tc>
+                  <a:txBody>
+                    <a:bodyPr/>
+                    <a:lstStyle/>
+                    <a:p>
+                      <a:r>
+                        <a:rPr lang="en-US" altLang="zh-TW" dirty="0"/>
+                        <a:t>overlay</a:t>
+                      </a:r>
+                      <a:r>
+                        <a:rPr lang="zh-TW" altLang="en-US" dirty="0"/>
+                        <a:t>、</a:t>
+                      </a:r>
+                      <a:r>
+                        <a:rPr lang="en-US" altLang="zh-TW" dirty="0"/>
+                        <a:t>image</a:t>
+                      </a:r>
+                      <a:r>
+                        <a:rPr lang="zh-TW" altLang="en-US" dirty="0"/>
+                        <a:t>、</a:t>
+                      </a:r>
+                      <a:r>
+                        <a:rPr lang="en-US" altLang="zh-TW" dirty="0"/>
+                        <a:t>segments</a:t>
+                      </a:r>
+                      <a:r>
+                        <a:rPr lang="zh-TW" altLang="en-US" dirty="0"/>
+                        <a:t>、</a:t>
+                      </a:r>
+                      <a:r>
+                        <a:rPr lang="en-US" altLang="zh-TW" dirty="0"/>
+                        <a:t>alpha</a:t>
+                      </a:r>
+                      <a:endParaRPr lang="zh-TW" altLang="en-US" dirty="0"/>
+                    </a:p>
+                  </a:txBody>
+                  <a:tcPr/>
+                </a:tc>
+                <a:extLst>
+                  <a:ext uri="{0D108BD9-81ED-4DB2-BD59-A6C34878D82A}">
+                    <a16:rowId xmlns:a16="http://schemas.microsoft.com/office/drawing/2014/main" val="1202189038"/>
+                  </a:ext>
+                </a:extLst>
+              </a:tr>
+              <a:tr h="370840">
+                <a:tc>
+                  <a:txBody>
+                    <a:bodyPr/>
+                    <a:lstStyle/>
+                    <a:p>
+                      <a:r>
+                        <a:rPr lang="zh-TW" altLang="en-US" dirty="0"/>
+                        <a:t>輸出</a:t>
+                      </a:r>
+                      <a:endParaRPr lang="en-US" altLang="zh-TW" dirty="0"/>
+                    </a:p>
+                  </a:txBody>
+                  <a:tcPr/>
+                </a:tc>
+                <a:tc>
+                  <a:txBody>
+                    <a:bodyPr/>
+                    <a:lstStyle/>
+                    <a:p>
+                      <a:r>
+                        <a:rPr lang="en-US" altLang="zh-TW" dirty="0"/>
+                        <a:t>image</a:t>
+                      </a:r>
+                      <a:endParaRPr lang="zh-TW" altLang="en-US" dirty="0"/>
+                    </a:p>
+                  </a:txBody>
+                  <a:tcPr/>
+                </a:tc>
+                <a:extLst>
+                  <a:ext uri="{0D108BD9-81ED-4DB2-BD59-A6C34878D82A}">
+                    <a16:rowId xmlns:a16="http://schemas.microsoft.com/office/drawing/2014/main" val="2530239967"/>
+                  </a:ext>
+                </a:extLst>
+              </a:tr>
+              <a:tr h="422124">
+                <a:tc>
+                  <a:txBody>
+                    <a:bodyPr/>
+                    <a:lstStyle/>
+                    <a:p>
+                      <a:r>
+                        <a:rPr lang="zh-TW" altLang="en-US" dirty="0"/>
+                        <a:t>方法</a:t>
+                      </a:r>
+                    </a:p>
+                  </a:txBody>
+                  <a:tcPr/>
+                </a:tc>
+                <a:tc>
+                  <a:txBody>
+                    <a:bodyPr/>
+                    <a:lstStyle/>
+                    <a:p>
+                      <a:r>
+                        <a:rPr lang="en-US" altLang="zh-TW" dirty="0"/>
+                        <a:t>overlay=</a:t>
+                      </a:r>
+                      <a:r>
+                        <a:rPr lang="en-US" altLang="zh-TW" dirty="0" err="1"/>
+                        <a:t>image.copy</a:t>
+                      </a:r>
+                      <a:r>
+                        <a:rPr lang="en-US" altLang="zh-TW" dirty="0"/>
+                        <a:t>()</a:t>
+                      </a:r>
+                      <a:r>
+                        <a:rPr lang="zh-TW" altLang="en-US" dirty="0"/>
+                        <a:t>、</a:t>
+                      </a:r>
+                      <a:r>
+                        <a:rPr lang="en-US" altLang="zh-TW" dirty="0"/>
+                        <a:t>cv2.addWeighted()</a:t>
+                      </a:r>
+                      <a:endParaRPr lang="zh-TW" altLang="en-US" dirty="0"/>
+                    </a:p>
+                  </a:txBody>
+                  <a:tcPr/>
+                </a:tc>
+                <a:extLst>
+                  <a:ext uri="{0D108BD9-81ED-4DB2-BD59-A6C34878D82A}">
+                    <a16:rowId xmlns:a16="http://schemas.microsoft.com/office/drawing/2014/main" val="1450406126"/>
+                  </a:ext>
+                </a:extLst>
+              </a:tr>
+            </a:tbl>
+          </a:graphicData>
+        </a:graphic>
+      </p:graphicFrame>
+      <p:sp>
+        <p:nvSpPr>
+          <p:cNvPr id="7" name="文字方塊 6">
+            <a:extLst>
+              <a:ext uri="{FF2B5EF4-FFF2-40B4-BE49-F238E27FC236}">
+                <a16:creationId xmlns:a16="http://schemas.microsoft.com/office/drawing/2014/main" id="{5E77BA56-4CC5-4963-A8B2-6902038AF815}"/>
+              </a:ext>
+            </a:extLst>
+          </p:cNvPr>
+          <p:cNvSpPr txBox="1"/>
+          <p:nvPr/>
+        </p:nvSpPr>
+        <p:spPr>
+          <a:xfrm>
+            <a:off x="1090863" y="106424"/>
+            <a:ext cx="1171074" cy="707886"/>
+          </a:xfrm>
+          <a:prstGeom prst="rect">
+            <a:avLst/>
+          </a:prstGeom>
+          <a:noFill/>
+        </p:spPr>
+        <p:txBody>
+          <a:bodyPr wrap="square" rtlCol="0">
+            <a:spAutoFit/>
+          </a:bodyPr>
+          <a:lstStyle/>
+          <a:p>
+            <a:r>
+              <a:rPr lang="en-US" altLang="zh-TW" sz="4000" b="1" dirty="0"/>
+              <a:t>API</a:t>
+            </a:r>
+            <a:endParaRPr lang="zh-TW" altLang="en-US" sz="4000" b="1" dirty="0"/>
+          </a:p>
+        </p:txBody>
+      </p:sp>
+      <p:sp>
+        <p:nvSpPr>
+          <p:cNvPr id="3" name="文字方塊 2">
+            <a:extLst>
+              <a:ext uri="{FF2B5EF4-FFF2-40B4-BE49-F238E27FC236}">
+                <a16:creationId xmlns:a16="http://schemas.microsoft.com/office/drawing/2014/main" id="{96BEA693-7258-41E7-80F3-FB54FCF0F546}"/>
+              </a:ext>
+            </a:extLst>
+          </p:cNvPr>
+          <p:cNvSpPr txBox="1"/>
+          <p:nvPr/>
+        </p:nvSpPr>
+        <p:spPr>
+          <a:xfrm>
+            <a:off x="481263" y="1507958"/>
+            <a:ext cx="1406358" cy="646331"/>
+          </a:xfrm>
+          <a:prstGeom prst="rect">
+            <a:avLst/>
+          </a:prstGeom>
+          <a:noFill/>
+        </p:spPr>
+        <p:txBody>
+          <a:bodyPr wrap="square" rtlCol="0">
+            <a:spAutoFit/>
+          </a:bodyPr>
+          <a:lstStyle/>
+          <a:p>
+            <a:pPr algn="ctr"/>
+            <a:r>
+              <a:rPr lang="zh-TW" altLang="en-US" dirty="0"/>
+              <a:t>執行</a:t>
+            </a:r>
+            <a:r>
+              <a:rPr lang="en-US" altLang="zh-TW" dirty="0"/>
+              <a:t>BFS</a:t>
+            </a:r>
+          </a:p>
+          <a:p>
+            <a:pPr algn="ctr"/>
+            <a:r>
+              <a:rPr lang="en-US" altLang="zh-TW" dirty="0"/>
+              <a:t>(</a:t>
+            </a:r>
+            <a:r>
+              <a:rPr lang="zh-TW" altLang="en-US" dirty="0"/>
+              <a:t>未訪問部分</a:t>
+            </a:r>
+            <a:r>
+              <a:rPr lang="en-US" altLang="zh-TW" dirty="0"/>
+              <a:t>)</a:t>
+            </a:r>
+            <a:endParaRPr lang="zh-TW" altLang="en-US" dirty="0"/>
+          </a:p>
+        </p:txBody>
+      </p:sp>
+      <p:sp>
+        <p:nvSpPr>
+          <p:cNvPr id="4" name="文字方塊 3">
+            <a:extLst>
+              <a:ext uri="{FF2B5EF4-FFF2-40B4-BE49-F238E27FC236}">
+                <a16:creationId xmlns:a16="http://schemas.microsoft.com/office/drawing/2014/main" id="{FE20F558-70A6-4968-A0BA-C3A873E0F878}"/>
+              </a:ext>
+            </a:extLst>
+          </p:cNvPr>
+          <p:cNvSpPr txBox="1"/>
+          <p:nvPr/>
+        </p:nvSpPr>
+        <p:spPr>
+          <a:xfrm>
+            <a:off x="625642" y="3320923"/>
+            <a:ext cx="1406358" cy="369332"/>
+          </a:xfrm>
+          <a:prstGeom prst="rect">
+            <a:avLst/>
+          </a:prstGeom>
+          <a:noFill/>
+        </p:spPr>
+        <p:txBody>
+          <a:bodyPr wrap="square" rtlCol="0">
+            <a:spAutoFit/>
+          </a:bodyPr>
+          <a:lstStyle/>
+          <a:p>
+            <a:r>
+              <a:rPr lang="zh-TW" altLang="en-US" dirty="0"/>
+              <a:t>覆蓋半透明</a:t>
+            </a:r>
+          </a:p>
+        </p:txBody>
+      </p:sp>
+    </p:spTree>
+    <p:extLst>
+      <p:ext uri="{BB962C8B-B14F-4D97-AF65-F5344CB8AC3E}">
+        <p14:creationId xmlns:p14="http://schemas.microsoft.com/office/powerpoint/2010/main" val="3325222147"/>
+      </p:ext>
+    </p:extLst>
+  </p:cSld>
+  <p:clrMapOvr>
+    <a:masterClrMapping/>
+  </p:clrMapOvr>
+</p:sld>
+</file>
+
+<file path=ppt/slides/slide6.xml><?xml version="1.0" encoding="utf-8"?>
+<p:sld xmlns:a="http://schemas.openxmlformats.org/drawingml/2006/main" xmlns:r="http://schemas.openxmlformats.org/officeDocument/2006/relationships" xmlns:p="http://schemas.openxmlformats.org/presentationml/2006/main">
+  <p:cSld>
+    <p:spTree>
+      <p:nvGrpSpPr>
+        <p:cNvPr id="1" name=""/>
+        <p:cNvGrpSpPr/>
+        <p:nvPr/>
+      </p:nvGrpSpPr>
+      <p:grpSpPr>
+        <a:xfrm>
+          <a:off x="0" y="0"/>
+          <a:ext cx="0" cy="0"/>
+          <a:chOff x="0" y="0"/>
+          <a:chExt cx="0" cy="0"/>
+        </a:xfrm>
+      </p:grpSpPr>
+      <p:sp>
+        <p:nvSpPr>
+          <p:cNvPr id="3" name="內容版面配置區 2">
+            <a:extLst>
+              <a:ext uri="{FF2B5EF4-FFF2-40B4-BE49-F238E27FC236}">
+                <a16:creationId xmlns:a16="http://schemas.microsoft.com/office/drawing/2014/main" id="{7A380B25-0DFF-42B4-ACD4-8D068FA275EC}"/>
+              </a:ext>
+            </a:extLst>
+          </p:cNvPr>
+          <p:cNvSpPr>
+            <a:spLocks noGrp="1"/>
+          </p:cNvSpPr>
+          <p:nvPr>
+            <p:ph idx="1"/>
+          </p:nvPr>
+        </p:nvSpPr>
+        <p:spPr/>
+        <p:txBody>
+          <a:bodyPr/>
+          <a:lstStyle/>
+          <a:p>
+            <a:endParaRPr lang="zh-TW" altLang="en-US"/>
+          </a:p>
+        </p:txBody>
+      </p:sp>
+    </p:spTree>
+    <p:extLst>
+      <p:ext uri="{BB962C8B-B14F-4D97-AF65-F5344CB8AC3E}">
+        <p14:creationId xmlns:p14="http://schemas.microsoft.com/office/powerpoint/2010/main" val="1840440963"/>
       </p:ext>
     </p:extLst>
   </p:cSld>
